--- a/documentation/18 Monitoring and Logging.pptx
+++ b/documentation/18 Monitoring and Logging.pptx
@@ -124,7 +124,7 @@
   </p:defaultTextStyle>
   <p:extLst>
     <p:ext uri="{EFAFB233-063F-42B5-8137-9DF3F51BA10A}">
-      <p15:sldGuideLst xmlns:p15="http://schemas.microsoft.com/office/powerpoint/2012/main" xmlns="">
+      <p15:sldGuideLst xmlns:p15="http://schemas.microsoft.com/office/powerpoint/2012/main">
         <p15:guide id="2" pos="3840" userDrawn="1">
           <p15:clr>
             <a:srgbClr val="A4A3A4"/>
@@ -138,7 +138,7 @@
       </p15:sldGuideLst>
     </p:ext>
     <p:ext uri="{2D200454-40CA-4A62-9FC3-DE9A4176ACB9}">
-      <p15:notesGuideLst xmlns:p15="http://schemas.microsoft.com/office/powerpoint/2012/main" xmlns=""/>
+      <p15:notesGuideLst xmlns:p15="http://schemas.microsoft.com/office/powerpoint/2012/main"/>
     </p:ext>
   </p:extLst>
 </p:presentation>
@@ -226,7 +226,7 @@
           <a:p>
             <a:fld id="{CE53DE84-D7B3-4797-B14D-77424657396D}" type="datetimeFigureOut">
               <a:rPr lang="en-GB" smtClean="0"/>
-              <a:t>27/02/2018</a:t>
+              <a:t>21/03/2018</a:t>
             </a:fld>
             <a:endParaRPr lang="en-GB" dirty="0"/>
           </a:p>
@@ -391,7 +391,7 @@
           <a:p>
             <a:fld id="{D1C597EC-6BB0-461C-B045-D257C6C8821E}" type="datetimeFigureOut">
               <a:rPr lang="en-GB" smtClean="0"/>
-              <a:t>27/02/2018</a:t>
+              <a:t>21/03/2018</a:t>
             </a:fld>
             <a:endParaRPr lang="en-GB" dirty="0"/>
           </a:p>
@@ -1749,7 +1749,7 @@
           <a:p>
             <a:fld id="{22E7AA2F-F619-4723-B6E7-545F24B9918D}" type="datetime4">
               <a:rPr lang="en-GB" smtClean="0"/>
-              <a:t>27 February 2018</a:t>
+              <a:t>21 March 2018</a:t>
             </a:fld>
             <a:endParaRPr lang="en-GB" dirty="0"/>
           </a:p>
@@ -1953,7 +1953,7 @@
           <a:p>
             <a:fld id="{2A4201E0-34F3-46A7-AE44-D99163B13904}" type="datetime4">
               <a:rPr lang="en-GB" smtClean="0"/>
-              <a:t>27 February 2018</a:t>
+              <a:t>21 March 2018</a:t>
             </a:fld>
             <a:endParaRPr lang="en-GB" dirty="0"/>
           </a:p>
@@ -2045,7 +2045,7 @@
   </p:clrMapOvr>
   <p:extLst mod="1">
     <p:ext uri="{DCECCB84-F9BA-43D5-87BE-67443E8EF086}">
-      <p15:sldGuideLst xmlns:p15="http://schemas.microsoft.com/office/powerpoint/2012/main" xmlns=""/>
+      <p15:sldGuideLst xmlns:p15="http://schemas.microsoft.com/office/powerpoint/2012/main"/>
     </p:ext>
   </p:extLst>
 </p:sldLayout>
@@ -2201,7 +2201,7 @@
           <a:p>
             <a:fld id="{4FAE0867-24A8-448F-B507-CC8586AA6B96}" type="datetime4">
               <a:rPr lang="en-GB" smtClean="0"/>
-              <a:t>27 February 2018</a:t>
+              <a:t>21 March 2018</a:t>
             </a:fld>
             <a:endParaRPr lang="en-GB" dirty="0"/>
           </a:p>
@@ -2385,7 +2385,7 @@
           <a:p>
             <a:fld id="{54BE1DED-F17D-40BA-964F-A1C8DEDCEF61}" type="datetime4">
               <a:rPr lang="en-GB" smtClean="0"/>
-              <a:t>27 February 2018</a:t>
+              <a:t>21 March 2018</a:t>
             </a:fld>
             <a:endParaRPr lang="en-GB" dirty="0"/>
           </a:p>
@@ -2761,7 +2761,7 @@
             <a:fld id="{D9FBC6CA-9941-44FF-B65D-C7A23CB5A4BE}" type="datetime4">
               <a:rPr lang="en-GB" smtClean="0"/>
               <a:pPr/>
-              <a:t>27 February 2018</a:t>
+              <a:t>21 March 2018</a:t>
             </a:fld>
             <a:endParaRPr lang="en-GB" dirty="0"/>
           </a:p>
@@ -2947,7 +2947,7 @@
           <a:p>
             <a:fld id="{D473304B-F8FC-4BC7-8FE8-C50BC87E1FAB}" type="datetime4">
               <a:rPr lang="en-GB" smtClean="0"/>
-              <a:t>27 February 2018</a:t>
+              <a:t>21 March 2018</a:t>
             </a:fld>
             <a:endParaRPr lang="en-GB" dirty="0"/>
           </a:p>
@@ -3042,7 +3042,7 @@
           <a:p>
             <a:fld id="{D3D7C3DF-C1B2-4C30-9BDA-F5EE790E7213}" type="datetime4">
               <a:rPr lang="en-GB" smtClean="0"/>
-              <a:t>27 February 2018</a:t>
+              <a:t>21 March 2018</a:t>
             </a:fld>
             <a:endParaRPr lang="en-GB" dirty="0"/>
           </a:p>
@@ -3267,7 +3267,7 @@
           <a:p>
             <a:fld id="{7A1E630C-C3F3-4A66-A20B-F3CE4CC3331D}" type="datetime4">
               <a:rPr lang="en-GB" smtClean="0"/>
-              <a:t>27 February 2018</a:t>
+              <a:t>21 March 2018</a:t>
             </a:fld>
             <a:endParaRPr lang="en-GB" dirty="0"/>
           </a:p>
@@ -3901,7 +3901,7 @@
           <a:p>
             <a:fld id="{D22C19FE-D082-4640-BFED-203C0E583774}" type="datetime4">
               <a:rPr lang="en-GB" smtClean="0"/>
-              <a:t>27 February 2018</a:t>
+              <a:t>21 March 2018</a:t>
             </a:fld>
             <a:endParaRPr lang="en-GB" dirty="0"/>
           </a:p>
@@ -4377,7 +4377,7 @@
   </p:txStyles>
   <p:extLst mod="1">
     <p:ext uri="{27BBF7A9-308A-43DC-89C8-2F10F3537804}">
-      <p15:sldGuideLst xmlns:p15="http://schemas.microsoft.com/office/powerpoint/2012/main" xmlns="">
+      <p15:sldGuideLst xmlns:p15="http://schemas.microsoft.com/office/powerpoint/2012/main">
         <p15:guide id="1" pos="3772" userDrawn="1">
           <p15:clr>
             <a:srgbClr val="F26B43"/>
@@ -4606,7 +4606,7 @@
             <a:fld id="{BC3F1638-3586-4527-A760-38AC15BFC248}" type="datetime4">
               <a:rPr lang="en-GB" smtClean="0"/>
               <a:pPr/>
-              <a:t>27 February 2018</a:t>
+              <a:t>21 March 2018</a:t>
             </a:fld>
             <a:endParaRPr lang="en-GB" dirty="0"/>
           </a:p>
@@ -4674,11 +4674,10 @@
               </a:buBlip>
             </a:pPr>
             <a:r>
-              <a:rPr lang="en-US" b="1" dirty="0" smtClean="0">
+              <a:rPr lang="en-US" dirty="0">
                 <a:solidFill>
                   <a:schemeClr val="accent2"/>
                 </a:solidFill>
-                <a:latin typeface="Courier" pitchFamily="49" charset="0"/>
               </a:rPr>
               <a:t>User can view what all rules have been executed for a payment.</a:t>
             </a:r>
@@ -4693,8 +4692,8 @@
         </p:nvSpPr>
         <p:spPr>
           <a:xfrm>
-            <a:off x="623887" y="3779270"/>
-            <a:ext cx="4107769" cy="847155"/>
+            <a:off x="623887" y="3664684"/>
+            <a:ext cx="4107769" cy="590931"/>
           </a:xfrm>
           <a:prstGeom prst="rect">
             <a:avLst/>
@@ -4723,11 +4722,10 @@
               </a:buBlip>
             </a:pPr>
             <a:r>
-              <a:rPr lang="en-US" b="1" dirty="0" smtClean="0">
+              <a:rPr lang="en-US" dirty="0">
                 <a:solidFill>
                   <a:schemeClr val="accent2"/>
                 </a:solidFill>
-                <a:latin typeface="Courier" pitchFamily="49" charset="0"/>
               </a:rPr>
               <a:t>User can also look into the audit trails for a particular payment.</a:t>
             </a:r>
@@ -4757,7 +4755,7 @@
         </p:blipFill>
         <p:spPr bwMode="auto">
           <a:xfrm>
-            <a:off x="4731656" y="1123721"/>
+            <a:off x="4731655" y="1078234"/>
             <a:ext cx="4909909" cy="2352277"/>
           </a:xfrm>
           <a:prstGeom prst="rect">
@@ -4966,7 +4964,7 @@
             <a:fld id="{BC3F1638-3586-4527-A760-38AC15BFC248}" type="datetime4">
               <a:rPr lang="en-GB" smtClean="0"/>
               <a:pPr/>
-              <a:t>27 February 2018</a:t>
+              <a:t>21 March 2018</a:t>
             </a:fld>
             <a:endParaRPr lang="en-GB" dirty="0"/>
           </a:p>
@@ -5005,7 +5003,7 @@
         <p:spPr>
           <a:xfrm>
             <a:off x="623888" y="1123721"/>
-            <a:ext cx="9120187" cy="1231876"/>
+            <a:ext cx="9120187" cy="1224951"/>
           </a:xfrm>
           <a:prstGeom prst="rect">
             <a:avLst/>
@@ -5034,13 +5032,20 @@
               </a:buBlip>
             </a:pPr>
             <a:r>
-              <a:rPr lang="en-US" b="1" dirty="0" smtClean="0">
+              <a:rPr lang="en-US" dirty="0">
                 <a:solidFill>
                   <a:schemeClr val="accent2"/>
                 </a:solidFill>
-                <a:latin typeface="Courier" pitchFamily="49" charset="0"/>
               </a:rPr>
-              <a:t>Operations-&gt;Logs will present two options to view logs.</a:t>
+              <a:t>Operations-&gt;Logs will present two options to view </a:t>
+            </a:r>
+            <a:r>
+              <a:rPr lang="en-US" dirty="0" smtClean="0">
+                <a:solidFill>
+                  <a:schemeClr val="accent2"/>
+                </a:solidFill>
+              </a:rPr>
+              <a:t>logs.</a:t>
             </a:r>
           </a:p>
           <a:p>
@@ -5057,12 +5062,7 @@
               </a:buBlip>
             </a:pPr>
             <a:r>
-              <a:rPr lang="en-US" b="1" dirty="0" smtClean="0">
-                <a:solidFill>
-                  <a:schemeClr val="accent2"/>
-                </a:solidFill>
-                <a:latin typeface="Courier" pitchFamily="49" charset="0"/>
-              </a:rPr>
+              <a:rPr lang="en-US" dirty="0" smtClean="0"/>
               <a:t>System Log</a:t>
             </a:r>
           </a:p>
@@ -5080,13 +5080,12 @@
               </a:buBlip>
             </a:pPr>
             <a:r>
-              <a:rPr lang="en-US" b="1" dirty="0" smtClean="0">
-                <a:solidFill>
-                  <a:schemeClr val="accent2"/>
-                </a:solidFill>
-                <a:latin typeface="Courier" pitchFamily="49" charset="0"/>
-              </a:rPr>
-              <a:t>Activity Log</a:t>
+              <a:rPr lang="en-US" dirty="0" smtClean="0"/>
+              <a:t>Activity </a:t>
+            </a:r>
+            <a:r>
+              <a:rPr lang="en-US" dirty="0"/>
+              <a:t>Log</a:t>
             </a:r>
           </a:p>
         </p:txBody>
@@ -5114,8 +5113,8 @@
         </p:blipFill>
         <p:spPr bwMode="auto">
           <a:xfrm>
-            <a:off x="3947886" y="1739659"/>
-            <a:ext cx="6981371" cy="4215493"/>
+            <a:off x="3595457" y="1726955"/>
+            <a:ext cx="7235278" cy="4215493"/>
           </a:xfrm>
           <a:prstGeom prst="rect">
             <a:avLst/>
@@ -5257,7 +5256,7 @@
             <a:fld id="{BC3F1638-3586-4527-A760-38AC15BFC248}" type="datetime4">
               <a:rPr lang="en-GB" smtClean="0"/>
               <a:pPr/>
-              <a:t>27 February 2018</a:t>
+              <a:t>21 March 2018</a:t>
             </a:fld>
             <a:endParaRPr lang="en-GB" dirty="0"/>
           </a:p>
@@ -5295,8 +5294,8 @@
         </p:nvSpPr>
         <p:spPr>
           <a:xfrm>
-            <a:off x="623888" y="1123721"/>
-            <a:ext cx="4560093" cy="1588127"/>
+            <a:off x="526234" y="1230253"/>
+            <a:ext cx="4347607" cy="1338828"/>
           </a:xfrm>
           <a:prstGeom prst="rect">
             <a:avLst/>
@@ -5325,11 +5324,10 @@
               </a:buBlip>
             </a:pPr>
             <a:r>
-              <a:rPr lang="en-US" b="1" dirty="0" smtClean="0">
+              <a:rPr lang="en-US" dirty="0">
                 <a:solidFill>
                   <a:schemeClr val="accent2"/>
                 </a:solidFill>
-                <a:latin typeface="Courier" pitchFamily="49" charset="0"/>
               </a:rPr>
               <a:t>Interfaces (Operations-&gt;Interfaces) will list all the interfaces defined in GPP-SP. The status of these interfaces can be monitored and controlled from the UI</a:t>
             </a:r>
@@ -5359,7 +5357,7 @@
         </p:blipFill>
         <p:spPr bwMode="auto">
           <a:xfrm>
-            <a:off x="5183981" y="1123721"/>
+            <a:off x="5148470" y="1230253"/>
             <a:ext cx="6598220" cy="3936438"/>
           </a:xfrm>
           <a:prstGeom prst="rect">
@@ -5499,7 +5497,6 @@
               <a:rPr lang="en-GB" dirty="0" smtClean="0"/>
               <a:t>Arnab Podder</a:t>
             </a:r>
-            <a:endParaRPr lang="en-GB" dirty="0" smtClean="0"/>
           </a:p>
           <a:p>
             <a:r>
@@ -5528,7 +5525,7 @@
             <a:fld id="{D98A2CEC-3088-437B-B321-33BEC7D93FCD}" type="datetime4">
               <a:rPr lang="en-GB" smtClean="0"/>
               <a:pPr/>
-              <a:t>27 February 2018</a:t>
+              <a:t>21 March 2018</a:t>
             </a:fld>
             <a:endParaRPr lang="en-GB" dirty="0"/>
           </a:p>
@@ -5553,7 +5550,6 @@
               <a:rPr lang="en-GB" dirty="0" smtClean="0"/>
               <a:t>Arnab.podder@finastra.com</a:t>
             </a:r>
-            <a:endParaRPr lang="en-GB" dirty="0" smtClean="0"/>
           </a:p>
           <a:p>
             <a:endParaRPr lang="en-GB" dirty="0"/>
@@ -5681,7 +5677,7 @@
           <a:p>
             <a:fld id="{6096F0BA-ECEE-44D1-ABE9-40C67B221300}" type="datetime4">
               <a:rPr lang="en-GB" smtClean="0"/>
-              <a:t>27 February 2018</a:t>
+              <a:t>21 March 2018</a:t>
             </a:fld>
             <a:endParaRPr lang="en-GB" dirty="0"/>
           </a:p>
@@ -5820,11 +5816,6 @@
               </a:rPr>
               <a:t>”</a:t>
             </a:r>
-            <a:endParaRPr lang="en-GB" dirty="0" smtClean="0">
-              <a:solidFill>
-                <a:schemeClr val="accent1"/>
-              </a:solidFill>
-            </a:endParaRPr>
           </a:p>
           <a:p>
             <a:pPr lvl="1"/>
@@ -5850,7 +5841,7 @@
             <a:fld id="{014A5046-EA5E-455B-A3BC-352818629394}" type="datetime4">
               <a:rPr lang="en-GB" smtClean="0"/>
               <a:pPr/>
-              <a:t>27 February 2018</a:t>
+              <a:t>21 March 2018</a:t>
             </a:fld>
             <a:endParaRPr lang="en-GB" dirty="0"/>
           </a:p>
@@ -5978,7 +5969,7 @@
             <a:fld id="{BC3F1638-3586-4527-A760-38AC15BFC248}" type="datetime4">
               <a:rPr lang="en-GB" smtClean="0"/>
               <a:pPr/>
-              <a:t>27 February 2018</a:t>
+              <a:t>21 March 2018</a:t>
             </a:fld>
             <a:endParaRPr lang="en-GB" dirty="0"/>
           </a:p>
@@ -6016,7 +6007,7 @@
         </p:nvSpPr>
         <p:spPr>
           <a:xfrm>
-            <a:off x="623888" y="1123721"/>
+            <a:off x="499600" y="1292397"/>
             <a:ext cx="9120187" cy="1832809"/>
           </a:xfrm>
           <a:prstGeom prst="rect">
@@ -6050,7 +6041,6 @@
                 <a:solidFill>
                   <a:schemeClr val="accent2"/>
                 </a:solidFill>
-                <a:latin typeface="Courier" pitchFamily="49" charset="0"/>
               </a:rPr>
               <a:t>GPP-SP health can be monitored in various ways. It is always important to know what to monitor and when</a:t>
             </a:r>
@@ -6069,11 +6059,10 @@
               </a:buBlip>
             </a:pPr>
             <a:r>
-              <a:rPr lang="en-US" sz="1600" b="1" dirty="0" smtClean="0">
+              <a:rPr lang="en-US" sz="1600" dirty="0" smtClean="0">
                 <a:solidFill>
                   <a:schemeClr val="accent2"/>
                 </a:solidFill>
-                <a:latin typeface="Courier" pitchFamily="49" charset="0"/>
               </a:rPr>
               <a:t>GPP-SP Traces</a:t>
             </a:r>
@@ -6092,11 +6081,10 @@
               </a:buBlip>
             </a:pPr>
             <a:r>
-              <a:rPr lang="en-US" sz="1600" b="1" dirty="0" smtClean="0">
+              <a:rPr lang="en-US" sz="1600" dirty="0" smtClean="0">
                 <a:solidFill>
                   <a:schemeClr val="accent2"/>
                 </a:solidFill>
-                <a:latin typeface="Courier" pitchFamily="49" charset="0"/>
               </a:rPr>
               <a:t>GPP-SP Database tables</a:t>
             </a:r>
@@ -6115,15 +6103,14 @@
               </a:buBlip>
             </a:pPr>
             <a:r>
-              <a:rPr lang="en-US" sz="1600" b="1" dirty="0" smtClean="0">
+              <a:rPr lang="en-US" sz="1600" dirty="0" smtClean="0">
                 <a:solidFill>
                   <a:schemeClr val="accent2"/>
                 </a:solidFill>
-                <a:latin typeface="Courier" pitchFamily="49" charset="0"/>
               </a:rPr>
               <a:t>GPP-SP UI</a:t>
             </a:r>
-            <a:endParaRPr lang="he-IL" sz="1600" b="1" dirty="0"/>
+            <a:endParaRPr lang="he-IL" sz="1600" dirty="0"/>
           </a:p>
         </p:txBody>
       </p:sp>
@@ -6229,7 +6216,7 @@
             <a:fld id="{BC3F1638-3586-4527-A760-38AC15BFC248}" type="datetime4">
               <a:rPr lang="en-GB" smtClean="0"/>
               <a:pPr/>
-              <a:t>27 February 2018</a:t>
+              <a:t>21 March 2018</a:t>
             </a:fld>
             <a:endParaRPr lang="en-GB" dirty="0"/>
           </a:p>
@@ -6267,7 +6254,7 @@
         </p:nvSpPr>
         <p:spPr>
           <a:xfrm>
-            <a:off x="623888" y="1123721"/>
+            <a:off x="623888" y="1230253"/>
             <a:ext cx="9120187" cy="4207306"/>
           </a:xfrm>
           <a:prstGeom prst="rect">
@@ -6297,11 +6284,12 @@
               </a:buBlip>
             </a:pPr>
             <a:r>
-              <a:rPr lang="en-US" b="1" dirty="0" smtClean="0">
+              <a:rPr lang="en-US" dirty="0" smtClean="0">
                 <a:solidFill>
                   <a:schemeClr val="accent2"/>
                 </a:solidFill>
-                <a:latin typeface="Courier" pitchFamily="49" charset="0"/>
+                <a:latin typeface="Arial" panose="020B0604020202020204" pitchFamily="34" charset="0"/>
+                <a:cs typeface="Arial" panose="020B0604020202020204" pitchFamily="34" charset="0"/>
               </a:rPr>
               <a:t>GPP-SP as an application writes a huge number of traces and logs each and every activity that performs</a:t>
             </a:r>
@@ -6320,11 +6308,12 @@
               </a:buBlip>
             </a:pPr>
             <a:r>
-              <a:rPr lang="en-US" b="1" dirty="0" smtClean="0">
+              <a:rPr lang="en-US" dirty="0" smtClean="0">
                 <a:solidFill>
                   <a:schemeClr val="accent2"/>
                 </a:solidFill>
-                <a:latin typeface="Courier" pitchFamily="49" charset="0"/>
+                <a:latin typeface="Arial" panose="020B0604020202020204" pitchFamily="34" charset="0"/>
+                <a:cs typeface="Arial" panose="020B0604020202020204" pitchFamily="34" charset="0"/>
               </a:rPr>
               <a:t>The size of the trace files varies from 30-50 MB as configured and automatically rolls over once the size limits are reached</a:t>
             </a:r>
@@ -6343,20 +6332,15 @@
               </a:buBlip>
             </a:pPr>
             <a:r>
-              <a:rPr lang="en-US" b="1" dirty="0" smtClean="0">
+              <a:rPr lang="en-US" dirty="0" smtClean="0">
                 <a:solidFill>
                   <a:schemeClr val="accent2"/>
                 </a:solidFill>
-                <a:latin typeface="Courier" pitchFamily="49" charset="0"/>
+                <a:latin typeface="Arial" panose="020B0604020202020204" pitchFamily="34" charset="0"/>
+                <a:cs typeface="Arial" panose="020B0604020202020204" pitchFamily="34" charset="0"/>
               </a:rPr>
               <a:t>GPP Typically writes the below trace files</a:t>
             </a:r>
-            <a:endParaRPr lang="en-US" b="1" dirty="0" smtClean="0">
-              <a:solidFill>
-                <a:schemeClr val="accent2"/>
-              </a:solidFill>
-              <a:latin typeface="Courier" pitchFamily="49" charset="0"/>
-            </a:endParaRPr>
           </a:p>
           <a:p>
             <a:pPr marL="868363" lvl="1" indent="-411163">
@@ -6372,11 +6356,12 @@
               </a:buBlip>
             </a:pPr>
             <a:r>
-              <a:rPr lang="en-US" sz="1600" b="1" dirty="0" smtClean="0">
+              <a:rPr lang="en-US" sz="1600" dirty="0" smtClean="0">
                 <a:solidFill>
                   <a:schemeClr val="accent2"/>
                 </a:solidFill>
-                <a:latin typeface="Courier" pitchFamily="49" charset="0"/>
+                <a:latin typeface="Arial" panose="020B0604020202020204" pitchFamily="34" charset="0"/>
+                <a:cs typeface="Arial" panose="020B0604020202020204" pitchFamily="34" charset="0"/>
               </a:rPr>
               <a:t>gppserver_trace.log</a:t>
             </a:r>
@@ -6395,11 +6380,12 @@
               </a:buBlip>
             </a:pPr>
             <a:r>
-              <a:rPr lang="en-US" sz="1600" b="1" dirty="0" smtClean="0">
+              <a:rPr lang="en-US" sz="1600" dirty="0" smtClean="0">
                 <a:solidFill>
                   <a:schemeClr val="accent2"/>
                 </a:solidFill>
-                <a:latin typeface="Courier" pitchFamily="49" charset="0"/>
+                <a:latin typeface="Arial" panose="020B0604020202020204" pitchFamily="34" charset="0"/>
+                <a:cs typeface="Arial" panose="020B0604020202020204" pitchFamily="34" charset="0"/>
               </a:rPr>
               <a:t>gpp_mdp_monitor.log</a:t>
             </a:r>
@@ -6418,11 +6404,12 @@
               </a:buBlip>
             </a:pPr>
             <a:r>
-              <a:rPr lang="en-US" sz="1600" b="1" dirty="0" smtClean="0">
+              <a:rPr lang="en-US" sz="1600" dirty="0" smtClean="0">
                 <a:solidFill>
                   <a:schemeClr val="accent2"/>
                 </a:solidFill>
-                <a:latin typeface="Courier" pitchFamily="49" charset="0"/>
+                <a:latin typeface="Arial" panose="020B0604020202020204" pitchFamily="34" charset="0"/>
+                <a:cs typeface="Arial" panose="020B0604020202020204" pitchFamily="34" charset="0"/>
               </a:rPr>
               <a:t>gpp_gpp_monitors.log</a:t>
             </a:r>
@@ -6441,19 +6428,21 @@
               </a:buBlip>
             </a:pPr>
             <a:r>
-              <a:rPr lang="en-US" sz="1600" b="1" dirty="0">
+              <a:rPr lang="en-US" sz="1600" dirty="0">
                 <a:solidFill>
                   <a:schemeClr val="accent2"/>
                 </a:solidFill>
-                <a:latin typeface="Courier" pitchFamily="49" charset="0"/>
+                <a:latin typeface="Arial" panose="020B0604020202020204" pitchFamily="34" charset="0"/>
+                <a:cs typeface="Arial" panose="020B0604020202020204" pitchFamily="34" charset="0"/>
               </a:rPr>
               <a:t>gpp_flow_monitor.log</a:t>
             </a:r>
-            <a:endParaRPr lang="en-US" sz="1600" b="1" dirty="0" smtClean="0">
+            <a:endParaRPr lang="en-US" sz="1600" dirty="0" smtClean="0">
               <a:solidFill>
                 <a:schemeClr val="accent2"/>
               </a:solidFill>
-              <a:latin typeface="Courier" pitchFamily="49" charset="0"/>
+              <a:latin typeface="Arial" panose="020B0604020202020204" pitchFamily="34" charset="0"/>
+              <a:cs typeface="Arial" panose="020B0604020202020204" pitchFamily="34" charset="0"/>
             </a:endParaRPr>
           </a:p>
           <a:p>
@@ -6470,11 +6459,12 @@
               </a:buBlip>
             </a:pPr>
             <a:r>
-              <a:rPr lang="en-US" sz="1600" b="1" dirty="0" smtClean="0">
+              <a:rPr lang="en-US" sz="1600" dirty="0" smtClean="0">
                 <a:solidFill>
                   <a:schemeClr val="accent2"/>
                 </a:solidFill>
-                <a:latin typeface="Courier" pitchFamily="49" charset="0"/>
+                <a:latin typeface="Arial" panose="020B0604020202020204" pitchFamily="34" charset="0"/>
+                <a:cs typeface="Arial" panose="020B0604020202020204" pitchFamily="34" charset="0"/>
               </a:rPr>
               <a:t>gpp_error.log</a:t>
             </a:r>
@@ -6493,15 +6483,19 @@
               </a:buBlip>
             </a:pPr>
             <a:r>
-              <a:rPr lang="en-US" sz="1600" b="1" dirty="0" smtClean="0">
+              <a:rPr lang="en-US" sz="1600" dirty="0" smtClean="0">
                 <a:solidFill>
                   <a:schemeClr val="accent2"/>
                 </a:solidFill>
-                <a:latin typeface="Courier" pitchFamily="49" charset="0"/>
+                <a:latin typeface="Arial" panose="020B0604020202020204" pitchFamily="34" charset="0"/>
+                <a:cs typeface="Arial" panose="020B0604020202020204" pitchFamily="34" charset="0"/>
               </a:rPr>
               <a:t>gpp_activity.log</a:t>
             </a:r>
-            <a:endParaRPr lang="he-IL" sz="1600" b="1" dirty="0"/>
+            <a:endParaRPr lang="he-IL" sz="1600" dirty="0">
+              <a:latin typeface="Arial" panose="020B0604020202020204" pitchFamily="34" charset="0"/>
+              <a:cs typeface="Arial" panose="020B0604020202020204" pitchFamily="34" charset="0"/>
+            </a:endParaRPr>
           </a:p>
         </p:txBody>
       </p:sp>
@@ -6614,7 +6608,7 @@
           <a:p>
             <a:fld id="{54BE1DED-F17D-40BA-964F-A1C8DEDCEF61}" type="datetime4">
               <a:rPr lang="en-GB" smtClean="0"/>
-              <a:t>27 February 2018</a:t>
+              <a:t>21 March 2018</a:t>
             </a:fld>
             <a:endParaRPr lang="en-GB" dirty="0"/>
           </a:p>
@@ -6652,7 +6646,7 @@
           <p:nvPr>
             <p:extLst>
               <p:ext uri="{D42A27DB-BD31-4B8C-83A1-F6EECF244321}">
-                <p14:modId xmlns:p14="http://schemas.microsoft.com/office/powerpoint/2010/main" val="969323337"/>
+                <p14:modId xmlns:p14="http://schemas.microsoft.com/office/powerpoint/2010/main" val="4044995906"/>
               </p:ext>
             </p:extLst>
           </p:nvPr>
@@ -6668,8 +6662,20 @@
                 <a:tableStyleId>{5C22544A-7EE6-4342-B048-85BDC9FD1C3A}</a:tableStyleId>
               </a:tblPr>
               <a:tblGrid>
-                <a:gridCol w="3399812"/>
-                <a:gridCol w="7588154"/>
+                <a:gridCol w="3399812">
+                  <a:extLst>
+                    <a:ext uri="{9D8B030D-6E8A-4147-A177-3AD203B41FA5}">
+                      <a16:colId xmlns:a16="http://schemas.microsoft.com/office/drawing/2014/main" val="20000"/>
+                    </a:ext>
+                  </a:extLst>
+                </a:gridCol>
+                <a:gridCol w="7588154">
+                  <a:extLst>
+                    <a:ext uri="{9D8B030D-6E8A-4147-A177-3AD203B41FA5}">
+                      <a16:colId xmlns:a16="http://schemas.microsoft.com/office/drawing/2014/main" val="20001"/>
+                    </a:ext>
+                  </a:extLst>
+                </a:gridCol>
               </a:tblGrid>
               <a:tr h="667077">
                 <a:tc>
@@ -6702,6 +6708,11 @@
                   </a:txBody>
                   <a:tcPr/>
                 </a:tc>
+                <a:extLst>
+                  <a:ext uri="{0D108BD9-81ED-4DB2-BD59-A6C34878D82A}">
+                    <a16:rowId xmlns:a16="http://schemas.microsoft.com/office/drawing/2014/main" val="10000"/>
+                  </a:ext>
+                </a:extLst>
               </a:tr>
               <a:tr h="667077">
                 <a:tc>
@@ -6727,11 +6738,12 @@
                         <a:defRPr/>
                       </a:pPr>
                       <a:r>
-                        <a:rPr lang="en-US" sz="1600" b="1" dirty="0" smtClean="0">
+                        <a:rPr lang="en-US" sz="1600" b="0" dirty="0" smtClean="0">
                           <a:solidFill>
                             <a:schemeClr val="accent2"/>
                           </a:solidFill>
-                          <a:latin typeface="Courier" pitchFamily="49" charset="0"/>
+                          <a:latin typeface="Arial" panose="020B0604020202020204" pitchFamily="34" charset="0"/>
+                          <a:cs typeface="Arial" panose="020B0604020202020204" pitchFamily="34" charset="0"/>
                         </a:rPr>
                         <a:t>gppserver_trace.log</a:t>
                       </a:r>
@@ -6757,6 +6769,11 @@
                   </a:txBody>
                   <a:tcPr/>
                 </a:tc>
+                <a:extLst>
+                  <a:ext uri="{0D108BD9-81ED-4DB2-BD59-A6C34878D82A}">
+                    <a16:rowId xmlns:a16="http://schemas.microsoft.com/office/drawing/2014/main" val="10001"/>
+                  </a:ext>
+                </a:extLst>
               </a:tr>
               <a:tr h="667077">
                 <a:tc>
@@ -6782,17 +6799,21 @@
                         <a:defRPr/>
                       </a:pPr>
                       <a:r>
-                        <a:rPr lang="en-US" sz="1600" b="1" dirty="0" smtClean="0">
+                        <a:rPr lang="en-US" sz="1600" b="0" dirty="0" smtClean="0">
                           <a:solidFill>
                             <a:schemeClr val="accent2"/>
                           </a:solidFill>
-                          <a:latin typeface="Courier" pitchFamily="49" charset="0"/>
+                          <a:latin typeface="Arial" panose="020B0604020202020204" pitchFamily="34" charset="0"/>
+                          <a:cs typeface="Arial" panose="020B0604020202020204" pitchFamily="34" charset="0"/>
                         </a:rPr>
                         <a:t>gpp_mdp_monitor.log</a:t>
                       </a:r>
                     </a:p>
                     <a:p>
-                      <a:endParaRPr lang="en-IN" dirty="0"/>
+                      <a:endParaRPr lang="en-IN" b="0" dirty="0">
+                        <a:latin typeface="Arial" panose="020B0604020202020204" pitchFamily="34" charset="0"/>
+                        <a:cs typeface="Arial" panose="020B0604020202020204" pitchFamily="34" charset="0"/>
+                      </a:endParaRPr>
                     </a:p>
                   </a:txBody>
                   <a:tcPr/>
@@ -6815,6 +6836,11 @@
                   </a:txBody>
                   <a:tcPr/>
                 </a:tc>
+                <a:extLst>
+                  <a:ext uri="{0D108BD9-81ED-4DB2-BD59-A6C34878D82A}">
+                    <a16:rowId xmlns:a16="http://schemas.microsoft.com/office/drawing/2014/main" val="10002"/>
+                  </a:ext>
+                </a:extLst>
               </a:tr>
               <a:tr h="667077">
                 <a:tc>
@@ -6840,17 +6866,21 @@
                         <a:defRPr/>
                       </a:pPr>
                       <a:r>
-                        <a:rPr lang="en-US" sz="1600" b="1" dirty="0" smtClean="0">
+                        <a:rPr lang="en-US" sz="1600" b="0" dirty="0" smtClean="0">
                           <a:solidFill>
                             <a:schemeClr val="accent2"/>
                           </a:solidFill>
-                          <a:latin typeface="Courier" pitchFamily="49" charset="0"/>
+                          <a:latin typeface="Arial" panose="020B0604020202020204" pitchFamily="34" charset="0"/>
+                          <a:cs typeface="Arial" panose="020B0604020202020204" pitchFamily="34" charset="0"/>
                         </a:rPr>
                         <a:t>gpp_gpp_monitors.log</a:t>
                       </a:r>
                     </a:p>
                     <a:p>
-                      <a:endParaRPr lang="en-IN" dirty="0"/>
+                      <a:endParaRPr lang="en-IN" b="0" dirty="0">
+                        <a:latin typeface="Arial" panose="020B0604020202020204" pitchFamily="34" charset="0"/>
+                        <a:cs typeface="Arial" panose="020B0604020202020204" pitchFamily="34" charset="0"/>
+                      </a:endParaRPr>
                     </a:p>
                   </a:txBody>
                   <a:tcPr/>
@@ -6873,6 +6903,11 @@
                   </a:txBody>
                   <a:tcPr/>
                 </a:tc>
+                <a:extLst>
+                  <a:ext uri="{0D108BD9-81ED-4DB2-BD59-A6C34878D82A}">
+                    <a16:rowId xmlns:a16="http://schemas.microsoft.com/office/drawing/2014/main" val="10003"/>
+                  </a:ext>
+                </a:extLst>
               </a:tr>
               <a:tr h="667077">
                 <a:tc>
@@ -6898,17 +6933,21 @@
                         <a:defRPr/>
                       </a:pPr>
                       <a:r>
-                        <a:rPr lang="en-US" sz="1600" b="1" dirty="0" smtClean="0">
+                        <a:rPr lang="en-US" sz="1600" b="0" dirty="0" smtClean="0">
                           <a:solidFill>
                             <a:schemeClr val="accent2"/>
                           </a:solidFill>
-                          <a:latin typeface="Courier" pitchFamily="49" charset="0"/>
+                          <a:latin typeface="Arial" panose="020B0604020202020204" pitchFamily="34" charset="0"/>
+                          <a:cs typeface="Arial" panose="020B0604020202020204" pitchFamily="34" charset="0"/>
                         </a:rPr>
                         <a:t>gpp_flow_monitor.log</a:t>
                       </a:r>
                     </a:p>
                     <a:p>
-                      <a:endParaRPr lang="en-IN" dirty="0"/>
+                      <a:endParaRPr lang="en-IN" b="0" dirty="0">
+                        <a:latin typeface="Arial" panose="020B0604020202020204" pitchFamily="34" charset="0"/>
+                        <a:cs typeface="Arial" panose="020B0604020202020204" pitchFamily="34" charset="0"/>
+                      </a:endParaRPr>
                     </a:p>
                   </a:txBody>
                   <a:tcPr/>
@@ -6927,6 +6966,11 @@
                   </a:txBody>
                   <a:tcPr/>
                 </a:tc>
+                <a:extLst>
+                  <a:ext uri="{0D108BD9-81ED-4DB2-BD59-A6C34878D82A}">
+                    <a16:rowId xmlns:a16="http://schemas.microsoft.com/office/drawing/2014/main" val="10004"/>
+                  </a:ext>
+                </a:extLst>
               </a:tr>
               <a:tr h="667077">
                 <a:tc>
@@ -6952,17 +6996,21 @@
                         <a:defRPr/>
                       </a:pPr>
                       <a:r>
-                        <a:rPr lang="en-US" sz="1600" b="1" dirty="0" smtClean="0">
+                        <a:rPr lang="en-US" sz="1600" b="0" dirty="0" smtClean="0">
                           <a:solidFill>
                             <a:schemeClr val="accent2"/>
                           </a:solidFill>
-                          <a:latin typeface="Courier" pitchFamily="49" charset="0"/>
+                          <a:latin typeface="Arial" panose="020B0604020202020204" pitchFamily="34" charset="0"/>
+                          <a:cs typeface="Arial" panose="020B0604020202020204" pitchFamily="34" charset="0"/>
                         </a:rPr>
                         <a:t>gpp_error.log</a:t>
                       </a:r>
                     </a:p>
                     <a:p>
-                      <a:endParaRPr lang="en-IN" dirty="0"/>
+                      <a:endParaRPr lang="en-IN" b="0" dirty="0">
+                        <a:latin typeface="Arial" panose="020B0604020202020204" pitchFamily="34" charset="0"/>
+                        <a:cs typeface="Arial" panose="020B0604020202020204" pitchFamily="34" charset="0"/>
+                      </a:endParaRPr>
                     </a:p>
                   </a:txBody>
                   <a:tcPr/>
@@ -6985,6 +7033,11 @@
                   </a:txBody>
                   <a:tcPr/>
                 </a:tc>
+                <a:extLst>
+                  <a:ext uri="{0D108BD9-81ED-4DB2-BD59-A6C34878D82A}">
+                    <a16:rowId xmlns:a16="http://schemas.microsoft.com/office/drawing/2014/main" val="10005"/>
+                  </a:ext>
+                </a:extLst>
               </a:tr>
               <a:tr h="667077">
                 <a:tc>
@@ -7010,18 +7063,25 @@
                         <a:defRPr/>
                       </a:pPr>
                       <a:r>
-                        <a:rPr lang="en-US" sz="1600" b="1" dirty="0" smtClean="0">
+                        <a:rPr lang="en-US" sz="1600" b="0" dirty="0" smtClean="0">
                           <a:solidFill>
                             <a:schemeClr val="accent2"/>
                           </a:solidFill>
-                          <a:latin typeface="Courier" pitchFamily="49" charset="0"/>
+                          <a:latin typeface="Arial" panose="020B0604020202020204" pitchFamily="34" charset="0"/>
+                          <a:cs typeface="Arial" panose="020B0604020202020204" pitchFamily="34" charset="0"/>
                         </a:rPr>
                         <a:t>gpp_activity.log</a:t>
                       </a:r>
-                      <a:endParaRPr lang="he-IL" sz="1600" b="1" dirty="0" smtClean="0"/>
+                      <a:endParaRPr lang="he-IL" sz="1600" b="0" dirty="0" smtClean="0">
+                        <a:latin typeface="Arial" panose="020B0604020202020204" pitchFamily="34" charset="0"/>
+                        <a:cs typeface="Arial" panose="020B0604020202020204" pitchFamily="34" charset="0"/>
+                      </a:endParaRPr>
                     </a:p>
                     <a:p>
-                      <a:endParaRPr lang="en-IN" dirty="0"/>
+                      <a:endParaRPr lang="en-IN" b="0" dirty="0">
+                        <a:latin typeface="Arial" panose="020B0604020202020204" pitchFamily="34" charset="0"/>
+                        <a:cs typeface="Arial" panose="020B0604020202020204" pitchFamily="34" charset="0"/>
+                      </a:endParaRPr>
                     </a:p>
                   </a:txBody>
                   <a:tcPr/>
@@ -7044,6 +7104,11 @@
                   </a:txBody>
                   <a:tcPr/>
                 </a:tc>
+                <a:extLst>
+                  <a:ext uri="{0D108BD9-81ED-4DB2-BD59-A6C34878D82A}">
+                    <a16:rowId xmlns:a16="http://schemas.microsoft.com/office/drawing/2014/main" val="10006"/>
+                  </a:ext>
+                </a:extLst>
               </a:tr>
             </a:tbl>
           </a:graphicData>
@@ -7059,6 +7124,13 @@
   <p:clrMapOvr>
     <a:masterClrMapping/>
   </p:clrMapOvr>
+  <p:timing>
+    <p:tnLst>
+      <p:par>
+        <p:cTn id="1" dur="indefinite" restart="never" nodeType="tmRoot"/>
+      </p:par>
+    </p:tnLst>
+  </p:timing>
 </p:sld>
 </file>
 
@@ -7124,7 +7196,7 @@
             <a:fld id="{BC3F1638-3586-4527-A760-38AC15BFC248}" type="datetime4">
               <a:rPr lang="en-GB" smtClean="0"/>
               <a:pPr/>
-              <a:t>27 February 2018</a:t>
+              <a:t>21 March 2018</a:t>
             </a:fld>
             <a:endParaRPr lang="en-GB" dirty="0"/>
           </a:p>
@@ -7162,8 +7234,8 @@
         </p:nvSpPr>
         <p:spPr>
           <a:xfrm>
-            <a:off x="623888" y="1123721"/>
-            <a:ext cx="9120187" cy="3490186"/>
+            <a:off x="623888" y="1611993"/>
+            <a:ext cx="9120187" cy="3240887"/>
           </a:xfrm>
           <a:prstGeom prst="rect">
             <a:avLst/>
@@ -7192,11 +7264,12 @@
               </a:buBlip>
             </a:pPr>
             <a:r>
-              <a:rPr lang="en-US" b="1" dirty="0" smtClean="0">
+              <a:rPr lang="en-US" dirty="0" smtClean="0">
                 <a:solidFill>
                   <a:schemeClr val="accent2"/>
                 </a:solidFill>
-                <a:latin typeface="Courier" pitchFamily="49" charset="0"/>
+                <a:latin typeface="Arial" panose="020B0604020202020204" pitchFamily="34" charset="0"/>
+                <a:cs typeface="Arial" panose="020B0604020202020204" pitchFamily="34" charset="0"/>
               </a:rPr>
               <a:t>GPP-SP as an application writes information about payments in several DB tables. These tables can be queried and fetch information about a particular payment.</a:t>
             </a:r>
@@ -7215,11 +7288,12 @@
               </a:buBlip>
             </a:pPr>
             <a:r>
-              <a:rPr lang="en-US" b="1" dirty="0" smtClean="0">
+              <a:rPr lang="en-US" dirty="0" smtClean="0">
                 <a:solidFill>
                   <a:schemeClr val="accent2"/>
                 </a:solidFill>
-                <a:latin typeface="Courier" pitchFamily="49" charset="0"/>
+                <a:latin typeface="Arial" panose="020B0604020202020204" pitchFamily="34" charset="0"/>
+                <a:cs typeface="Arial" panose="020B0604020202020204" pitchFamily="34" charset="0"/>
               </a:rPr>
               <a:t>DB Tables</a:t>
             </a:r>
@@ -7238,19 +7312,21 @@
               </a:buBlip>
             </a:pPr>
             <a:r>
-              <a:rPr lang="en-US" b="1" dirty="0" err="1" smtClean="0">
+              <a:rPr lang="en-US" dirty="0" err="1" smtClean="0">
                 <a:solidFill>
                   <a:schemeClr val="accent2"/>
                 </a:solidFill>
-                <a:latin typeface="Courier" pitchFamily="49" charset="0"/>
+                <a:latin typeface="Arial" panose="020B0604020202020204" pitchFamily="34" charset="0"/>
+                <a:cs typeface="Arial" panose="020B0604020202020204" pitchFamily="34" charset="0"/>
               </a:rPr>
               <a:t>Minf</a:t>
             </a:r>
-            <a:endParaRPr lang="en-US" b="1" dirty="0" smtClean="0">
+            <a:endParaRPr lang="en-US" dirty="0" smtClean="0">
               <a:solidFill>
                 <a:schemeClr val="accent2"/>
               </a:solidFill>
-              <a:latin typeface="Courier" pitchFamily="49" charset="0"/>
+              <a:latin typeface="Arial" panose="020B0604020202020204" pitchFamily="34" charset="0"/>
+              <a:cs typeface="Arial" panose="020B0604020202020204" pitchFamily="34" charset="0"/>
             </a:endParaRPr>
           </a:p>
           <a:p>
@@ -7267,19 +7343,21 @@
               </a:buBlip>
             </a:pPr>
             <a:r>
-              <a:rPr lang="en-US" b="1" dirty="0" err="1" smtClean="0">
+              <a:rPr lang="en-US" dirty="0" err="1" smtClean="0">
                 <a:solidFill>
                   <a:schemeClr val="accent2"/>
                 </a:solidFill>
-                <a:latin typeface="Courier" pitchFamily="49" charset="0"/>
+                <a:latin typeface="Arial" panose="020B0604020202020204" pitchFamily="34" charset="0"/>
+                <a:cs typeface="Arial" panose="020B0604020202020204" pitchFamily="34" charset="0"/>
               </a:rPr>
               <a:t>Message_External_Interaction</a:t>
             </a:r>
-            <a:endParaRPr lang="en-US" b="1" dirty="0" smtClean="0">
+            <a:endParaRPr lang="en-US" dirty="0" smtClean="0">
               <a:solidFill>
                 <a:schemeClr val="accent2"/>
               </a:solidFill>
-              <a:latin typeface="Courier" pitchFamily="49" charset="0"/>
+              <a:latin typeface="Arial" panose="020B0604020202020204" pitchFamily="34" charset="0"/>
+              <a:cs typeface="Arial" panose="020B0604020202020204" pitchFamily="34" charset="0"/>
             </a:endParaRPr>
           </a:p>
           <a:p>
@@ -7296,19 +7374,21 @@
               </a:buBlip>
             </a:pPr>
             <a:r>
-              <a:rPr lang="en-US" b="1" dirty="0" err="1" smtClean="0">
+              <a:rPr lang="en-US" dirty="0" err="1" smtClean="0">
                 <a:solidFill>
                   <a:schemeClr val="accent2"/>
                 </a:solidFill>
-                <a:latin typeface="Courier" pitchFamily="49" charset="0"/>
+                <a:latin typeface="Arial" panose="020B0604020202020204" pitchFamily="34" charset="0"/>
+                <a:cs typeface="Arial" panose="020B0604020202020204" pitchFamily="34" charset="0"/>
               </a:rPr>
               <a:t>Errorlog</a:t>
             </a:r>
-            <a:endParaRPr lang="en-US" b="1" dirty="0" smtClean="0">
+            <a:endParaRPr lang="en-US" dirty="0" smtClean="0">
               <a:solidFill>
                 <a:schemeClr val="accent2"/>
               </a:solidFill>
-              <a:latin typeface="Courier" pitchFamily="49" charset="0"/>
+              <a:latin typeface="Arial" panose="020B0604020202020204" pitchFamily="34" charset="0"/>
+              <a:cs typeface="Arial" panose="020B0604020202020204" pitchFamily="34" charset="0"/>
             </a:endParaRPr>
           </a:p>
           <a:p>
@@ -7325,19 +7405,21 @@
               </a:buBlip>
             </a:pPr>
             <a:r>
-              <a:rPr lang="en-US" b="1" dirty="0" err="1" smtClean="0">
+              <a:rPr lang="en-US" dirty="0" err="1" smtClean="0">
                 <a:solidFill>
                   <a:schemeClr val="accent2"/>
                 </a:solidFill>
-                <a:latin typeface="Courier" pitchFamily="49" charset="0"/>
+                <a:latin typeface="Arial" panose="020B0604020202020204" pitchFamily="34" charset="0"/>
+                <a:cs typeface="Arial" panose="020B0604020202020204" pitchFamily="34" charset="0"/>
               </a:rPr>
               <a:t>Message_Backout</a:t>
             </a:r>
-            <a:endParaRPr lang="en-US" b="1" dirty="0" smtClean="0">
+            <a:endParaRPr lang="en-US" dirty="0" smtClean="0">
               <a:solidFill>
                 <a:schemeClr val="accent2"/>
               </a:solidFill>
-              <a:latin typeface="Courier" pitchFamily="49" charset="0"/>
+              <a:latin typeface="Arial" panose="020B0604020202020204" pitchFamily="34" charset="0"/>
+              <a:cs typeface="Arial" panose="020B0604020202020204" pitchFamily="34" charset="0"/>
             </a:endParaRPr>
           </a:p>
           <a:p>
@@ -7350,11 +7432,12 @@
               </a:spcBef>
               <a:buSzPct val="150000"/>
             </a:pPr>
-            <a:endParaRPr lang="en-US" b="1" dirty="0" smtClean="0">
+            <a:endParaRPr lang="en-US" dirty="0" smtClean="0">
               <a:solidFill>
                 <a:schemeClr val="accent2"/>
               </a:solidFill>
-              <a:latin typeface="Courier" pitchFamily="49" charset="0"/>
+              <a:latin typeface="Arial" panose="020B0604020202020204" pitchFamily="34" charset="0"/>
+              <a:cs typeface="Arial" panose="020B0604020202020204" pitchFamily="34" charset="0"/>
             </a:endParaRPr>
           </a:p>
         </p:txBody>
@@ -7425,7 +7508,7 @@
           <a:p>
             <a:fld id="{54BE1DED-F17D-40BA-964F-A1C8DEDCEF61}" type="datetime4">
               <a:rPr lang="en-GB" smtClean="0"/>
-              <a:t>27 February 2018</a:t>
+              <a:t>21 March 2018</a:t>
             </a:fld>
             <a:endParaRPr lang="en-GB" dirty="0"/>
           </a:p>
@@ -7463,13 +7546,13 @@
           <p:nvPr>
             <p:extLst>
               <p:ext uri="{D42A27DB-BD31-4B8C-83A1-F6EECF244321}">
-                <p14:modId xmlns:p14="http://schemas.microsoft.com/office/powerpoint/2010/main" val="636387556"/>
+                <p14:modId xmlns:p14="http://schemas.microsoft.com/office/powerpoint/2010/main" val="3238138963"/>
               </p:ext>
             </p:extLst>
           </p:nvPr>
         </p:nvGraphicFramePr>
         <p:xfrm>
-          <a:off x="694672" y="1814284"/>
+          <a:off x="588377" y="2185034"/>
           <a:ext cx="10987966" cy="1985556"/>
         </p:xfrm>
         <a:graphic>
@@ -7479,8 +7562,20 @@
                 <a:tableStyleId>{5C22544A-7EE6-4342-B048-85BDC9FD1C3A}</a:tableStyleId>
               </a:tblPr>
               <a:tblGrid>
-                <a:gridCol w="4603042"/>
-                <a:gridCol w="6384924"/>
+                <a:gridCol w="4603042">
+                  <a:extLst>
+                    <a:ext uri="{9D8B030D-6E8A-4147-A177-3AD203B41FA5}">
+                      <a16:colId xmlns:a16="http://schemas.microsoft.com/office/drawing/2014/main" val="20000"/>
+                    </a:ext>
+                  </a:extLst>
+                </a:gridCol>
+                <a:gridCol w="6384924">
+                  <a:extLst>
+                    <a:ext uri="{9D8B030D-6E8A-4147-A177-3AD203B41FA5}">
+                      <a16:colId xmlns:a16="http://schemas.microsoft.com/office/drawing/2014/main" val="20001"/>
+                    </a:ext>
+                  </a:extLst>
+                </a:gridCol>
               </a:tblGrid>
               <a:tr h="318712">
                 <a:tc>
@@ -7513,6 +7608,11 @@
                   </a:txBody>
                   <a:tcPr/>
                 </a:tc>
+                <a:extLst>
+                  <a:ext uri="{0D108BD9-81ED-4DB2-BD59-A6C34878D82A}">
+                    <a16:rowId xmlns:a16="http://schemas.microsoft.com/office/drawing/2014/main" val="10000"/>
+                  </a:ext>
+                </a:extLst>
               </a:tr>
               <a:tr h="766356">
                 <a:tc>
@@ -7538,19 +7638,23 @@
                         <a:defRPr/>
                       </a:pPr>
                       <a:r>
-                        <a:rPr lang="en-US" sz="1600" b="1" dirty="0" err="1" smtClean="0">
+                        <a:rPr lang="en-US" sz="1600" b="0" kern="1200" dirty="0" err="1" smtClean="0">
                           <a:solidFill>
                             <a:schemeClr val="accent2"/>
                           </a:solidFill>
-                          <a:latin typeface="Courier" pitchFamily="49" charset="0"/>
+                          <a:latin typeface="+mn-lt"/>
+                          <a:ea typeface="+mn-ea"/>
+                          <a:cs typeface="+mn-cs"/>
                         </a:rPr>
                         <a:t>Minf</a:t>
                       </a:r>
-                      <a:endParaRPr lang="en-US" sz="1600" b="1" dirty="0" smtClean="0">
+                      <a:endParaRPr lang="en-US" sz="1600" b="0" kern="1200" dirty="0" smtClean="0">
                         <a:solidFill>
                           <a:schemeClr val="accent2"/>
                         </a:solidFill>
-                        <a:latin typeface="Courier" pitchFamily="49" charset="0"/>
+                        <a:latin typeface="+mn-lt"/>
+                        <a:ea typeface="+mn-ea"/>
+                        <a:cs typeface="+mn-cs"/>
                       </a:endParaRPr>
                     </a:p>
                   </a:txBody>
@@ -7610,6 +7714,11 @@
                   </a:txBody>
                   <a:tcPr/>
                 </a:tc>
+                <a:extLst>
+                  <a:ext uri="{0D108BD9-81ED-4DB2-BD59-A6C34878D82A}">
+                    <a16:rowId xmlns:a16="http://schemas.microsoft.com/office/drawing/2014/main" val="10001"/>
+                  </a:ext>
+                </a:extLst>
               </a:tr>
               <a:tr h="318712">
                 <a:tc>
@@ -7635,19 +7744,19 @@
                         <a:defRPr/>
                       </a:pPr>
                       <a:r>
-                        <a:rPr lang="en-US" sz="1600" b="1" dirty="0" err="1" smtClean="0">
+                        <a:rPr lang="en-US" sz="1600" b="0" dirty="0" err="1" smtClean="0">
                           <a:solidFill>
                             <a:schemeClr val="accent2"/>
                           </a:solidFill>
-                          <a:latin typeface="Courier" pitchFamily="49" charset="0"/>
+                          <a:latin typeface="+mn-lt"/>
                         </a:rPr>
                         <a:t>Message_External_Interaction</a:t>
                       </a:r>
-                      <a:endParaRPr lang="en-US" sz="1600" b="1" dirty="0" smtClean="0">
+                      <a:endParaRPr lang="en-US" sz="1600" b="0" dirty="0" smtClean="0">
                         <a:solidFill>
                           <a:schemeClr val="accent2"/>
                         </a:solidFill>
-                        <a:latin typeface="Courier" pitchFamily="49" charset="0"/>
+                        <a:latin typeface="+mn-lt"/>
                       </a:endParaRPr>
                     </a:p>
                     <a:p>
@@ -7711,6 +7820,11 @@
                   </a:txBody>
                   <a:tcPr/>
                 </a:tc>
+                <a:extLst>
+                  <a:ext uri="{0D108BD9-81ED-4DB2-BD59-A6C34878D82A}">
+                    <a16:rowId xmlns:a16="http://schemas.microsoft.com/office/drawing/2014/main" val="10002"/>
+                  </a:ext>
+                </a:extLst>
               </a:tr>
             </a:tbl>
           </a:graphicData>
@@ -7777,7 +7891,7 @@
         </p:nvSpPr>
         <p:spPr>
           <a:xfrm>
-            <a:off x="623888" y="1123721"/>
+            <a:off x="588377" y="1566050"/>
             <a:ext cx="9120187" cy="348557"/>
           </a:xfrm>
           <a:prstGeom prst="rect">
@@ -7807,11 +7921,10 @@
               </a:buBlip>
             </a:pPr>
             <a:r>
-              <a:rPr lang="en-US" b="1" dirty="0" smtClean="0">
+              <a:rPr lang="en-US" dirty="0" smtClean="0">
                 <a:solidFill>
                   <a:schemeClr val="accent2"/>
                 </a:solidFill>
-                <a:latin typeface="Courier" pitchFamily="49" charset="0"/>
               </a:rPr>
               <a:t>Sample queries </a:t>
             </a:r>
@@ -7828,6 +7941,13 @@
   <p:clrMapOvr>
     <a:masterClrMapping/>
   </p:clrMapOvr>
+  <p:timing>
+    <p:tnLst>
+      <p:par>
+        <p:cTn id="1" dur="indefinite" restart="never" nodeType="tmRoot"/>
+      </p:par>
+    </p:tnLst>
+  </p:timing>
 </p:sld>
 </file>
 
@@ -7893,7 +8013,7 @@
             <a:fld id="{BC3F1638-3586-4527-A760-38AC15BFC248}" type="datetime4">
               <a:rPr lang="en-GB" smtClean="0"/>
               <a:pPr/>
-              <a:t>27 February 2018</a:t>
+              <a:t>21 March 2018</a:t>
             </a:fld>
             <a:endParaRPr lang="en-GB" dirty="0"/>
           </a:p>
@@ -7932,7 +8052,7 @@
         <p:spPr>
           <a:xfrm>
             <a:off x="623888" y="1123721"/>
-            <a:ext cx="9120187" cy="1096454"/>
+            <a:ext cx="9120187" cy="840230"/>
           </a:xfrm>
           <a:prstGeom prst="rect">
             <a:avLst/>
@@ -7961,47 +8081,42 @@
               </a:buBlip>
             </a:pPr>
             <a:r>
-              <a:rPr lang="en-US" b="1" dirty="0" smtClean="0">
+              <a:rPr lang="en-US" dirty="0" smtClean="0">
                 <a:solidFill>
                   <a:schemeClr val="accent2"/>
                 </a:solidFill>
-                <a:latin typeface="Courier" pitchFamily="49" charset="0"/>
               </a:rPr>
               <a:t>GPP-SP UI can be used by the authorized user to enquire </a:t>
             </a:r>
             <a:r>
-              <a:rPr lang="en-US" b="1" dirty="0" err="1" smtClean="0">
+              <a:rPr lang="en-US" dirty="0" err="1" smtClean="0">
                 <a:solidFill>
                   <a:schemeClr val="accent2"/>
                 </a:solidFill>
-                <a:latin typeface="Courier" pitchFamily="49" charset="0"/>
               </a:rPr>
               <a:t>informations</a:t>
             </a:r>
             <a:r>
-              <a:rPr lang="en-US" b="1" dirty="0" smtClean="0">
+              <a:rPr lang="en-US" dirty="0" smtClean="0">
                 <a:solidFill>
                   <a:schemeClr val="accent2"/>
                 </a:solidFill>
-                <a:latin typeface="Courier" pitchFamily="49" charset="0"/>
               </a:rPr>
               <a:t> about any specific payments. GPP uses </a:t>
             </a:r>
             <a:r>
-              <a:rPr lang="en-US" b="1" i="1" dirty="0" smtClean="0">
+              <a:rPr lang="en-US" i="1" dirty="0" smtClean="0">
                 <a:solidFill>
                   <a:schemeClr val="accent1"/>
                 </a:solidFill>
-                <a:latin typeface="Courier" pitchFamily="49" charset="0"/>
               </a:rPr>
               <a:t>elastic search</a:t>
             </a:r>
             <a:r>
-              <a:rPr lang="en-US" b="1" dirty="0" smtClean="0">
+              <a:rPr lang="en-US" dirty="0" smtClean="0">
                 <a:solidFill>
                   <a:schemeClr val="accent2"/>
                 </a:solidFill>
-                <a:latin typeface="Courier" pitchFamily="49" charset="0"/>
               </a:rPr>
               <a:t> technology to return the searched payments at rapid speed.</a:t>
             </a:r>
@@ -8031,7 +8146,7 @@
         </p:blipFill>
         <p:spPr bwMode="auto">
           <a:xfrm>
-            <a:off x="4879975" y="2709410"/>
+            <a:off x="4888853" y="2718287"/>
             <a:ext cx="6600824" cy="3128962"/>
           </a:xfrm>
           <a:prstGeom prst="rect">
@@ -8085,8 +8200,8 @@
         </p:nvSpPr>
         <p:spPr>
           <a:xfrm>
-            <a:off x="623888" y="3198698"/>
-            <a:ext cx="4107769" cy="847155"/>
+            <a:off x="623888" y="2639405"/>
+            <a:ext cx="4107769" cy="590931"/>
           </a:xfrm>
           <a:prstGeom prst="rect">
             <a:avLst/>
@@ -8115,11 +8230,10 @@
               </a:buBlip>
             </a:pPr>
             <a:r>
-              <a:rPr lang="en-US" b="1" dirty="0" smtClean="0">
+              <a:rPr lang="en-US" dirty="0">
                 <a:solidFill>
                   <a:schemeClr val="accent2"/>
                 </a:solidFill>
-                <a:latin typeface="Courier" pitchFamily="49" charset="0"/>
               </a:rPr>
               <a:t>Payment can be searched directly on to the main login page.</a:t>
             </a:r>
@@ -8460,7 +8574,7 @@
   <a:extraClrSchemeLst/>
   <a:extLst>
     <a:ext uri="{05A4C25C-085E-4340-85A3-A5531E510DB2}">
-      <thm15:themeFamily xmlns:thm15="http://schemas.microsoft.com/office/thememl/2012/main" xmlns="" name="Finastra_PowerPoint_Template_LIGHT.potx" id="{E28E15CF-D4AF-4030-9C27-4521403959F6}" vid="{3C581112-1A15-4DD8-9762-0CCB35449E2C}"/>
+      <thm15:themeFamily xmlns:thm15="http://schemas.microsoft.com/office/thememl/2012/main" name="Finastra_PowerPoint_Template_LIGHT.potx" id="{E28E15CF-D4AF-4030-9C27-4521403959F6}" vid="{3C581112-1A15-4DD8-9762-0CCB35449E2C}"/>
     </a:ext>
   </a:extLst>
 </a:theme>
@@ -8721,7 +8835,7 @@
   <a:extraClrSchemeLst/>
   <a:extLst>
     <a:ext uri="{05A4C25C-085E-4340-85A3-A5531E510DB2}">
-      <thm15:themeFamily xmlns:thm15="http://schemas.microsoft.com/office/thememl/2012/main" xmlns="" name="Office Theme" id="{62F939B6-93AF-4DB8-9C6B-D6C7DFDC589F}" vid="{4A3C46E8-61CC-4603-A589-7422A47A8E4A}"/>
+      <thm15:themeFamily xmlns:thm15="http://schemas.microsoft.com/office/thememl/2012/main" name="Office Theme" id="{62F939B6-93AF-4DB8-9C6B-D6C7DFDC589F}" vid="{4A3C46E8-61CC-4603-A589-7422A47A8E4A}"/>
     </a:ext>
   </a:extLst>
 </a:theme>
@@ -8982,13 +9096,22 @@
   <a:extraClrSchemeLst/>
   <a:extLst>
     <a:ext uri="{05A4C25C-085E-4340-85A3-A5531E510DB2}">
-      <thm15:themeFamily xmlns:thm15="http://schemas.microsoft.com/office/thememl/2012/main" xmlns="" name="Office Theme" id="{62F939B6-93AF-4DB8-9C6B-D6C7DFDC589F}" vid="{4A3C46E8-61CC-4603-A589-7422A47A8E4A}"/>
+      <thm15:themeFamily xmlns:thm15="http://schemas.microsoft.com/office/thememl/2012/main" name="Office Theme" id="{62F939B6-93AF-4DB8-9C6B-D6C7DFDC589F}" vid="{4A3C46E8-61CC-4603-A589-7422A47A8E4A}"/>
     </a:ext>
   </a:extLst>
 </a:theme>
 </file>
 
 <file path=customXml/item1.xml><?xml version="1.0" encoding="utf-8"?>
+<?mso-contentType ?>
+<FormTemplates xmlns="http://schemas.microsoft.com/sharepoint/v3/contenttype/forms">
+  <Display>DocumentLibraryForm</Display>
+  <Edit>DocumentLibraryForm</Edit>
+  <New>DocumentLibraryForm</New>
+</FormTemplates>
+</file>
+
+<file path=customXml/item2.xml><?xml version="1.0" encoding="utf-8"?>
 <p:properties xmlns:p="http://schemas.microsoft.com/office/2006/metadata/properties" xmlns:xsi="http://www.w3.org/2001/XMLSchema-instance" xmlns:pc="http://schemas.microsoft.com/office/infopath/2007/PartnerControls">
   <documentManagement>
     <PublishingExpirationDate xmlns="http://schemas.microsoft.com/sharepoint/v3" xsi:nil="true"/>
@@ -8997,7 +9120,7 @@
 </p:properties>
 </file>
 
-<file path=customXml/item2.xml><?xml version="1.0" encoding="utf-8"?>
+<file path=customXml/item3.xml><?xml version="1.0" encoding="utf-8"?>
 <ct:contentTypeSchema xmlns:ct="http://schemas.microsoft.com/office/2006/metadata/contentType" xmlns:ma="http://schemas.microsoft.com/office/2006/metadata/properties/metaAttributes" ct:_="" ma:_="" ma:contentTypeName="Document" ma:contentTypeID="0x0101009AFDA2510A45954CB46081864A6D864F" ma:contentTypeVersion="5" ma:contentTypeDescription="Create a new document." ma:contentTypeScope="" ma:versionID="5b475eef84496e2b7a4205b1d00d7d4c">
   <xsd:schema xmlns:xsd="http://www.w3.org/2001/XMLSchema" xmlns:xs="http://www.w3.org/2001/XMLSchema" xmlns:p="http://schemas.microsoft.com/office/2006/metadata/properties" xmlns:ns1="http://schemas.microsoft.com/sharepoint/v3" xmlns:ns2="1913475e-a030-45ec-9e8a-a2630205b38f" xmlns:ns3="0ae7057e-292f-4fd1-bead-5494e4c66c6d" targetNamespace="http://schemas.microsoft.com/office/2006/metadata/properties" ma:root="true" ma:fieldsID="85738e600c763465eda532a3d229a01a" ns1:_="" ns2:_="" ns3:_="">
     <xsd:import namespace="http://schemas.microsoft.com/sharepoint/v3"/>
@@ -9179,16 +9302,15 @@
 </ct:contentTypeSchema>
 </file>
 
-<file path=customXml/item3.xml><?xml version="1.0" encoding="utf-8"?>
-<?mso-contentType ?>
-<FormTemplates xmlns="http://schemas.microsoft.com/sharepoint/v3/contenttype/forms">
-  <Display>DocumentLibraryForm</Display>
-  <Edit>DocumentLibraryForm</Edit>
-  <New>DocumentLibraryForm</New>
-</FormTemplates>
+<file path=customXml/itemProps1.xml><?xml version="1.0" encoding="utf-8"?>
+<ds:datastoreItem xmlns:ds="http://schemas.openxmlformats.org/officeDocument/2006/customXml" ds:itemID="{CA1AEAF9-C730-4098-99F1-230B2FED747B}">
+  <ds:schemaRefs>
+    <ds:schemaRef ds:uri="http://schemas.microsoft.com/sharepoint/v3/contenttype/forms"/>
+  </ds:schemaRefs>
+</ds:datastoreItem>
 </file>
 
-<file path=customXml/itemProps1.xml><?xml version="1.0" encoding="utf-8"?>
+<file path=customXml/itemProps2.xml><?xml version="1.0" encoding="utf-8"?>
 <ds:datastoreItem xmlns:ds="http://schemas.openxmlformats.org/officeDocument/2006/customXml" ds:itemID="{D7186F62-2954-471E-9368-38BF5704F41F}">
   <ds:schemaRefs>
     <ds:schemaRef ds:uri="http://purl.org/dc/terms/"/>
@@ -9206,7 +9328,7 @@
 </ds:datastoreItem>
 </file>
 
-<file path=customXml/itemProps2.xml><?xml version="1.0" encoding="utf-8"?>
+<file path=customXml/itemProps3.xml><?xml version="1.0" encoding="utf-8"?>
 <ds:datastoreItem xmlns:ds="http://schemas.openxmlformats.org/officeDocument/2006/customXml" ds:itemID="{F6B4073B-771D-450A-9EDA-ABAA77B0531E}">
   <ds:schemaRefs>
     <ds:schemaRef ds:uri="http://schemas.microsoft.com/office/2006/metadata/contentType"/>
@@ -9224,12 +9346,4 @@
     <ds:schemaRef ds:uri="http://schemas.microsoft.com/internal/obd"/>
   </ds:schemaRefs>
 </ds:datastoreItem>
-</file>
-
-<file path=customXml/itemProps3.xml><?xml version="1.0" encoding="utf-8"?>
-<ds:datastoreItem xmlns:ds="http://schemas.openxmlformats.org/officeDocument/2006/customXml" ds:itemID="{CA1AEAF9-C730-4098-99F1-230B2FED747B}">
-  <ds:schemaRefs>
-    <ds:schemaRef ds:uri="http://schemas.microsoft.com/sharepoint/v3/contenttype/forms"/>
-  </ds:schemaRefs>
-</ds:datastoreItem>
 </file>
--- a/documentation/18 Monitoring and Logging.pptx
+++ b/documentation/18 Monitoring and Logging.pptx
@@ -226,7 +226,7 @@
           <a:p>
             <a:fld id="{CE53DE84-D7B3-4797-B14D-77424657396D}" type="datetimeFigureOut">
               <a:rPr lang="en-GB" smtClean="0"/>
-              <a:t>21/03/2018</a:t>
+              <a:t>25/03/2019</a:t>
             </a:fld>
             <a:endParaRPr lang="en-GB" dirty="0"/>
           </a:p>
@@ -391,7 +391,7 @@
           <a:p>
             <a:fld id="{D1C597EC-6BB0-461C-B045-D257C6C8821E}" type="datetimeFigureOut">
               <a:rPr lang="en-GB" smtClean="0"/>
-              <a:t>21/03/2018</a:t>
+              <a:t>25/03/2019</a:t>
             </a:fld>
             <a:endParaRPr lang="en-GB" dirty="0"/>
           </a:p>
@@ -1749,7 +1749,7 @@
           <a:p>
             <a:fld id="{22E7AA2F-F619-4723-B6E7-545F24B9918D}" type="datetime4">
               <a:rPr lang="en-GB" smtClean="0"/>
-              <a:t>21 March 2018</a:t>
+              <a:t>25 March 2019</a:t>
             </a:fld>
             <a:endParaRPr lang="en-GB" dirty="0"/>
           </a:p>
@@ -1953,7 +1953,7 @@
           <a:p>
             <a:fld id="{2A4201E0-34F3-46A7-AE44-D99163B13904}" type="datetime4">
               <a:rPr lang="en-GB" smtClean="0"/>
-              <a:t>21 March 2018</a:t>
+              <a:t>25 March 2019</a:t>
             </a:fld>
             <a:endParaRPr lang="en-GB" dirty="0"/>
           </a:p>
@@ -2201,7 +2201,7 @@
           <a:p>
             <a:fld id="{4FAE0867-24A8-448F-B507-CC8586AA6B96}" type="datetime4">
               <a:rPr lang="en-GB" smtClean="0"/>
-              <a:t>21 March 2018</a:t>
+              <a:t>25 March 2019</a:t>
             </a:fld>
             <a:endParaRPr lang="en-GB" dirty="0"/>
           </a:p>
@@ -2385,7 +2385,7 @@
           <a:p>
             <a:fld id="{54BE1DED-F17D-40BA-964F-A1C8DEDCEF61}" type="datetime4">
               <a:rPr lang="en-GB" smtClean="0"/>
-              <a:t>21 March 2018</a:t>
+              <a:t>25 March 2019</a:t>
             </a:fld>
             <a:endParaRPr lang="en-GB" dirty="0"/>
           </a:p>
@@ -2761,7 +2761,7 @@
             <a:fld id="{D9FBC6CA-9941-44FF-B65D-C7A23CB5A4BE}" type="datetime4">
               <a:rPr lang="en-GB" smtClean="0"/>
               <a:pPr/>
-              <a:t>21 March 2018</a:t>
+              <a:t>25 March 2019</a:t>
             </a:fld>
             <a:endParaRPr lang="en-GB" dirty="0"/>
           </a:p>
@@ -2947,7 +2947,7 @@
           <a:p>
             <a:fld id="{D473304B-F8FC-4BC7-8FE8-C50BC87E1FAB}" type="datetime4">
               <a:rPr lang="en-GB" smtClean="0"/>
-              <a:t>21 March 2018</a:t>
+              <a:t>25 March 2019</a:t>
             </a:fld>
             <a:endParaRPr lang="en-GB" dirty="0"/>
           </a:p>
@@ -3042,7 +3042,7 @@
           <a:p>
             <a:fld id="{D3D7C3DF-C1B2-4C30-9BDA-F5EE790E7213}" type="datetime4">
               <a:rPr lang="en-GB" smtClean="0"/>
-              <a:t>21 March 2018</a:t>
+              <a:t>25 March 2019</a:t>
             </a:fld>
             <a:endParaRPr lang="en-GB" dirty="0"/>
           </a:p>
@@ -3267,7 +3267,7 @@
           <a:p>
             <a:fld id="{7A1E630C-C3F3-4A66-A20B-F3CE4CC3331D}" type="datetime4">
               <a:rPr lang="en-GB" smtClean="0"/>
-              <a:t>21 March 2018</a:t>
+              <a:t>25 March 2019</a:t>
             </a:fld>
             <a:endParaRPr lang="en-GB" dirty="0"/>
           </a:p>
@@ -3901,7 +3901,7 @@
           <a:p>
             <a:fld id="{D22C19FE-D082-4640-BFED-203C0E583774}" type="datetime4">
               <a:rPr lang="en-GB" smtClean="0"/>
-              <a:t>21 March 2018</a:t>
+              <a:t>25 March 2019</a:t>
             </a:fld>
             <a:endParaRPr lang="en-GB" dirty="0"/>
           </a:p>
@@ -4506,7 +4506,7 @@
             <a:pPr lvl="1"/>
             <a:r>
               <a:rPr lang="en-GB" dirty="0" smtClean="0"/>
-              <a:t>February 2018</a:t>
+              <a:t>2019</a:t>
             </a:r>
             <a:endParaRPr lang="en-GB" dirty="0"/>
           </a:p>
@@ -4579,12 +4579,16 @@
             <a:r>
               <a:rPr lang="en-US" dirty="0" smtClean="0">
                 <a:solidFill>
-                  <a:schemeClr val="accent2"/>
+                  <a:schemeClr val="tx1"/>
                 </a:solidFill>
               </a:rPr>
               <a:t>GPP-SP UI .. COND</a:t>
             </a:r>
-            <a:endParaRPr lang="en-GB" dirty="0"/>
+            <a:endParaRPr lang="en-GB" dirty="0">
+              <a:solidFill>
+                <a:schemeClr val="tx1"/>
+              </a:solidFill>
+            </a:endParaRPr>
           </a:p>
         </p:txBody>
       </p:sp>
@@ -4606,7 +4610,7 @@
             <a:fld id="{BC3F1638-3586-4527-A760-38AC15BFC248}" type="datetime4">
               <a:rPr lang="en-GB" smtClean="0"/>
               <a:pPr/>
-              <a:t>21 March 2018</a:t>
+              <a:t>25 March 2019</a:t>
             </a:fld>
             <a:endParaRPr lang="en-GB" dirty="0"/>
           </a:p>
@@ -4937,12 +4941,16 @@
             <a:r>
               <a:rPr lang="en-US" dirty="0" smtClean="0">
                 <a:solidFill>
-                  <a:schemeClr val="accent2"/>
+                  <a:schemeClr val="tx1"/>
                 </a:solidFill>
               </a:rPr>
               <a:t>GPP-SP UI .. CONTD</a:t>
             </a:r>
-            <a:endParaRPr lang="en-GB" dirty="0"/>
+            <a:endParaRPr lang="en-GB" dirty="0">
+              <a:solidFill>
+                <a:schemeClr val="tx1"/>
+              </a:solidFill>
+            </a:endParaRPr>
           </a:p>
         </p:txBody>
       </p:sp>
@@ -4964,7 +4972,7 @@
             <a:fld id="{BC3F1638-3586-4527-A760-38AC15BFC248}" type="datetime4">
               <a:rPr lang="en-GB" smtClean="0"/>
               <a:pPr/>
-              <a:t>21 March 2018</a:t>
+              <a:t>25 March 2019</a:t>
             </a:fld>
             <a:endParaRPr lang="en-GB" dirty="0"/>
           </a:p>
@@ -5229,12 +5237,16 @@
             <a:r>
               <a:rPr lang="en-US" dirty="0" smtClean="0">
                 <a:solidFill>
-                  <a:schemeClr val="accent2"/>
+                  <a:schemeClr val="tx1"/>
                 </a:solidFill>
               </a:rPr>
               <a:t>GPP-SP UI .. CONTD</a:t>
             </a:r>
-            <a:endParaRPr lang="en-GB" dirty="0"/>
+            <a:endParaRPr lang="en-GB" dirty="0">
+              <a:solidFill>
+                <a:schemeClr val="tx1"/>
+              </a:solidFill>
+            </a:endParaRPr>
           </a:p>
         </p:txBody>
       </p:sp>
@@ -5256,7 +5268,7 @@
             <a:fld id="{BC3F1638-3586-4527-A760-38AC15BFC248}" type="datetime4">
               <a:rPr lang="en-GB" smtClean="0"/>
               <a:pPr/>
-              <a:t>21 March 2018</a:t>
+              <a:t>25 March 2019</a:t>
             </a:fld>
             <a:endParaRPr lang="en-GB" dirty="0"/>
           </a:p>
@@ -5494,14 +5506,12 @@
           <a:lstStyle/>
           <a:p>
             <a:r>
-              <a:rPr lang="en-GB" dirty="0" smtClean="0"/>
-              <a:t>Arnab Podder</a:t>
-            </a:r>
-          </a:p>
-          <a:p>
-            <a:r>
               <a:rPr lang="en-GB" b="0" dirty="0" smtClean="0"/>
-              <a:t>Integration Team</a:t>
+              <a:t>Integration </a:t>
+            </a:r>
+            <a:r>
+              <a:rPr lang="en-GB" b="0" dirty="0" smtClean="0"/>
+              <a:t>Team</a:t>
             </a:r>
             <a:endParaRPr lang="en-GB" b="0" dirty="0"/>
           </a:p>
@@ -5525,7 +5535,7 @@
             <a:fld id="{D98A2CEC-3088-437B-B321-33BEC7D93FCD}" type="datetime4">
               <a:rPr lang="en-GB" smtClean="0"/>
               <a:pPr/>
-              <a:t>21 March 2018</a:t>
+              <a:t>25 March 2019</a:t>
             </a:fld>
             <a:endParaRPr lang="en-GB" dirty="0"/>
           </a:p>
@@ -5548,8 +5558,9 @@
           <a:p>
             <a:r>
               <a:rPr lang="en-GB" dirty="0" smtClean="0"/>
-              <a:t>Arnab.podder@finastra.com</a:t>
-            </a:r>
+              <a:t>Alexander.perman@finastra.com</a:t>
+            </a:r>
+            <a:endParaRPr lang="en-GB" dirty="0" smtClean="0"/>
           </a:p>
           <a:p>
             <a:endParaRPr lang="en-GB" dirty="0"/>
@@ -5677,7 +5688,7 @@
           <a:p>
             <a:fld id="{6096F0BA-ECEE-44D1-ABE9-40C67B221300}" type="datetime4">
               <a:rPr lang="en-GB" smtClean="0"/>
-              <a:t>21 March 2018</a:t>
+              <a:t>25 March 2019</a:t>
             </a:fld>
             <a:endParaRPr lang="en-GB" dirty="0"/>
           </a:p>
@@ -5841,7 +5852,7 @@
             <a:fld id="{014A5046-EA5E-455B-A3BC-352818629394}" type="datetime4">
               <a:rPr lang="en-GB" smtClean="0"/>
               <a:pPr/>
-              <a:t>21 March 2018</a:t>
+              <a:t>25 March 2019</a:t>
             </a:fld>
             <a:endParaRPr lang="en-GB" dirty="0"/>
           </a:p>
@@ -5938,7 +5949,7 @@
             <a:r>
               <a:rPr lang="en-US" dirty="0" smtClean="0">
                 <a:solidFill>
-                  <a:schemeClr val="accent2"/>
+                  <a:schemeClr val="tx1"/>
                 </a:solidFill>
               </a:rPr>
               <a:t>Monitors</a:t>
@@ -5969,7 +5980,7 @@
             <a:fld id="{BC3F1638-3586-4527-A760-38AC15BFC248}" type="datetime4">
               <a:rPr lang="en-GB" smtClean="0"/>
               <a:pPr/>
-              <a:t>21 March 2018</a:t>
+              <a:t>25 March 2019</a:t>
             </a:fld>
             <a:endParaRPr lang="en-GB" dirty="0"/>
           </a:p>
@@ -6007,7 +6018,7 @@
         </p:nvSpPr>
         <p:spPr>
           <a:xfrm>
-            <a:off x="499600" y="1292397"/>
+            <a:off x="472967" y="1611994"/>
             <a:ext cx="9120187" cy="1832809"/>
           </a:xfrm>
           <a:prstGeom prst="rect">
@@ -6037,11 +6048,7 @@
               </a:buBlip>
             </a:pPr>
             <a:r>
-              <a:rPr lang="en-US" b="1" dirty="0" smtClean="0">
-                <a:solidFill>
-                  <a:schemeClr val="accent2"/>
-                </a:solidFill>
-              </a:rPr>
+              <a:rPr lang="en-US" b="1" dirty="0" smtClean="0"/>
               <a:t>GPP-SP health can be monitored in various ways. It is always important to know what to monitor and when</a:t>
             </a:r>
           </a:p>
@@ -6059,11 +6066,7 @@
               </a:buBlip>
             </a:pPr>
             <a:r>
-              <a:rPr lang="en-US" sz="1600" dirty="0" smtClean="0">
-                <a:solidFill>
-                  <a:schemeClr val="accent2"/>
-                </a:solidFill>
-              </a:rPr>
+              <a:rPr lang="en-US" sz="1600" dirty="0" smtClean="0"/>
               <a:t>GPP-SP Traces</a:t>
             </a:r>
           </a:p>
@@ -6081,11 +6084,7 @@
               </a:buBlip>
             </a:pPr>
             <a:r>
-              <a:rPr lang="en-US" sz="1600" dirty="0" smtClean="0">
-                <a:solidFill>
-                  <a:schemeClr val="accent2"/>
-                </a:solidFill>
-              </a:rPr>
+              <a:rPr lang="en-US" sz="1600" dirty="0" smtClean="0"/>
               <a:t>GPP-SP Database tables</a:t>
             </a:r>
           </a:p>
@@ -6103,11 +6102,7 @@
               </a:buBlip>
             </a:pPr>
             <a:r>
-              <a:rPr lang="en-US" sz="1600" dirty="0" smtClean="0">
-                <a:solidFill>
-                  <a:schemeClr val="accent2"/>
-                </a:solidFill>
-              </a:rPr>
+              <a:rPr lang="en-US" sz="1600" dirty="0" smtClean="0"/>
               <a:t>GPP-SP UI</a:t>
             </a:r>
             <a:endParaRPr lang="he-IL" sz="1600" dirty="0"/>
@@ -6181,7 +6176,7 @@
             <a:r>
               <a:rPr lang="en-US" dirty="0">
                 <a:solidFill>
-                  <a:schemeClr val="accent2"/>
+                  <a:schemeClr val="tx1"/>
                 </a:solidFill>
               </a:rPr>
               <a:t>GPP-SP </a:t>
@@ -6189,12 +6184,16 @@
             <a:r>
               <a:rPr lang="en-US" dirty="0" smtClean="0">
                 <a:solidFill>
-                  <a:schemeClr val="accent2"/>
+                  <a:schemeClr val="tx1"/>
                 </a:solidFill>
               </a:rPr>
               <a:t>Traces</a:t>
             </a:r>
-            <a:endParaRPr lang="en-GB" dirty="0"/>
+            <a:endParaRPr lang="en-GB" dirty="0">
+              <a:solidFill>
+                <a:schemeClr val="tx1"/>
+              </a:solidFill>
+            </a:endParaRPr>
           </a:p>
         </p:txBody>
       </p:sp>
@@ -6216,7 +6215,7 @@
             <a:fld id="{BC3F1638-3586-4527-A760-38AC15BFC248}" type="datetime4">
               <a:rPr lang="en-GB" smtClean="0"/>
               <a:pPr/>
-              <a:t>21 March 2018</a:t>
+              <a:t>25 March 2019</a:t>
             </a:fld>
             <a:endParaRPr lang="en-GB" dirty="0"/>
           </a:p>
@@ -6285,9 +6284,6 @@
             </a:pPr>
             <a:r>
               <a:rPr lang="en-US" dirty="0" smtClean="0">
-                <a:solidFill>
-                  <a:schemeClr val="accent2"/>
-                </a:solidFill>
                 <a:latin typeface="Arial" panose="020B0604020202020204" pitchFamily="34" charset="0"/>
                 <a:cs typeface="Arial" panose="020B0604020202020204" pitchFamily="34" charset="0"/>
               </a:rPr>
@@ -6309,9 +6305,6 @@
             </a:pPr>
             <a:r>
               <a:rPr lang="en-US" dirty="0" smtClean="0">
-                <a:solidFill>
-                  <a:schemeClr val="accent2"/>
-                </a:solidFill>
                 <a:latin typeface="Arial" panose="020B0604020202020204" pitchFamily="34" charset="0"/>
                 <a:cs typeface="Arial" panose="020B0604020202020204" pitchFamily="34" charset="0"/>
               </a:rPr>
@@ -6333,9 +6326,6 @@
             </a:pPr>
             <a:r>
               <a:rPr lang="en-US" dirty="0" smtClean="0">
-                <a:solidFill>
-                  <a:schemeClr val="accent2"/>
-                </a:solidFill>
                 <a:latin typeface="Arial" panose="020B0604020202020204" pitchFamily="34" charset="0"/>
                 <a:cs typeface="Arial" panose="020B0604020202020204" pitchFamily="34" charset="0"/>
               </a:rPr>
@@ -6357,9 +6347,6 @@
             </a:pPr>
             <a:r>
               <a:rPr lang="en-US" sz="1600" dirty="0" smtClean="0">
-                <a:solidFill>
-                  <a:schemeClr val="accent2"/>
-                </a:solidFill>
                 <a:latin typeface="Arial" panose="020B0604020202020204" pitchFamily="34" charset="0"/>
                 <a:cs typeface="Arial" panose="020B0604020202020204" pitchFamily="34" charset="0"/>
               </a:rPr>
@@ -6381,9 +6368,6 @@
             </a:pPr>
             <a:r>
               <a:rPr lang="en-US" sz="1600" dirty="0" smtClean="0">
-                <a:solidFill>
-                  <a:schemeClr val="accent2"/>
-                </a:solidFill>
                 <a:latin typeface="Arial" panose="020B0604020202020204" pitchFamily="34" charset="0"/>
                 <a:cs typeface="Arial" panose="020B0604020202020204" pitchFamily="34" charset="0"/>
               </a:rPr>
@@ -6405,9 +6389,6 @@
             </a:pPr>
             <a:r>
               <a:rPr lang="en-US" sz="1600" dirty="0" smtClean="0">
-                <a:solidFill>
-                  <a:schemeClr val="accent2"/>
-                </a:solidFill>
                 <a:latin typeface="Arial" panose="020B0604020202020204" pitchFamily="34" charset="0"/>
                 <a:cs typeface="Arial" panose="020B0604020202020204" pitchFamily="34" charset="0"/>
               </a:rPr>
@@ -6429,18 +6410,12 @@
             </a:pPr>
             <a:r>
               <a:rPr lang="en-US" sz="1600" dirty="0">
-                <a:solidFill>
-                  <a:schemeClr val="accent2"/>
-                </a:solidFill>
                 <a:latin typeface="Arial" panose="020B0604020202020204" pitchFamily="34" charset="0"/>
                 <a:cs typeface="Arial" panose="020B0604020202020204" pitchFamily="34" charset="0"/>
               </a:rPr>
               <a:t>gpp_flow_monitor.log</a:t>
             </a:r>
             <a:endParaRPr lang="en-US" sz="1600" dirty="0" smtClean="0">
-              <a:solidFill>
-                <a:schemeClr val="accent2"/>
-              </a:solidFill>
               <a:latin typeface="Arial" panose="020B0604020202020204" pitchFamily="34" charset="0"/>
               <a:cs typeface="Arial" panose="020B0604020202020204" pitchFamily="34" charset="0"/>
             </a:endParaRPr>
@@ -6460,9 +6435,6 @@
             </a:pPr>
             <a:r>
               <a:rPr lang="en-US" sz="1600" dirty="0" smtClean="0">
-                <a:solidFill>
-                  <a:schemeClr val="accent2"/>
-                </a:solidFill>
                 <a:latin typeface="Arial" panose="020B0604020202020204" pitchFamily="34" charset="0"/>
                 <a:cs typeface="Arial" panose="020B0604020202020204" pitchFamily="34" charset="0"/>
               </a:rPr>
@@ -6484,9 +6456,6 @@
             </a:pPr>
             <a:r>
               <a:rPr lang="en-US" sz="1600" dirty="0" smtClean="0">
-                <a:solidFill>
-                  <a:schemeClr val="accent2"/>
-                </a:solidFill>
                 <a:latin typeface="Arial" panose="020B0604020202020204" pitchFamily="34" charset="0"/>
                 <a:cs typeface="Arial" panose="020B0604020202020204" pitchFamily="34" charset="0"/>
               </a:rPr>
@@ -6566,7 +6535,7 @@
             <a:r>
               <a:rPr lang="en-US" dirty="0">
                 <a:solidFill>
-                  <a:schemeClr val="accent2"/>
+                  <a:schemeClr val="tx1"/>
                 </a:solidFill>
               </a:rPr>
               <a:t>GPP-SP </a:t>
@@ -6574,7 +6543,7 @@
             <a:r>
               <a:rPr lang="en-US" dirty="0" smtClean="0">
                 <a:solidFill>
-                  <a:schemeClr val="accent2"/>
+                  <a:schemeClr val="tx1"/>
                 </a:solidFill>
               </a:rPr>
               <a:t>Traces .. </a:t>
@@ -6582,12 +6551,16 @@
             <a:r>
               <a:rPr lang="en-US" dirty="0" err="1" smtClean="0">
                 <a:solidFill>
-                  <a:schemeClr val="accent2"/>
+                  <a:schemeClr val="tx1"/>
                 </a:solidFill>
               </a:rPr>
               <a:t>Contd</a:t>
             </a:r>
-            <a:endParaRPr lang="en-IN" dirty="0"/>
+            <a:endParaRPr lang="en-IN" dirty="0">
+              <a:solidFill>
+                <a:schemeClr val="tx1"/>
+              </a:solidFill>
+            </a:endParaRPr>
           </a:p>
         </p:txBody>
       </p:sp>
@@ -6608,7 +6581,7 @@
           <a:p>
             <a:fld id="{54BE1DED-F17D-40BA-964F-A1C8DEDCEF61}" type="datetime4">
               <a:rPr lang="en-GB" smtClean="0"/>
-              <a:t>21 March 2018</a:t>
+              <a:t>25 March 2019</a:t>
             </a:fld>
             <a:endParaRPr lang="en-GB" dirty="0"/>
           </a:p>
@@ -7169,12 +7142,16 @@
             <a:r>
               <a:rPr lang="en-US" dirty="0" smtClean="0">
                 <a:solidFill>
-                  <a:schemeClr val="accent2"/>
+                  <a:schemeClr val="tx1"/>
                 </a:solidFill>
               </a:rPr>
               <a:t>GPP-SP Database table</a:t>
             </a:r>
-            <a:endParaRPr lang="en-GB" dirty="0"/>
+            <a:endParaRPr lang="en-GB" dirty="0">
+              <a:solidFill>
+                <a:schemeClr val="tx1"/>
+              </a:solidFill>
+            </a:endParaRPr>
           </a:p>
         </p:txBody>
       </p:sp>
@@ -7196,7 +7173,7 @@
             <a:fld id="{BC3F1638-3586-4527-A760-38AC15BFC248}" type="datetime4">
               <a:rPr lang="en-GB" smtClean="0"/>
               <a:pPr/>
-              <a:t>21 March 2018</a:t>
+              <a:t>25 March 2019</a:t>
             </a:fld>
             <a:endParaRPr lang="en-GB" dirty="0"/>
           </a:p>
@@ -7265,9 +7242,6 @@
             </a:pPr>
             <a:r>
               <a:rPr lang="en-US" dirty="0" smtClean="0">
-                <a:solidFill>
-                  <a:schemeClr val="accent2"/>
-                </a:solidFill>
                 <a:latin typeface="Arial" panose="020B0604020202020204" pitchFamily="34" charset="0"/>
                 <a:cs typeface="Arial" panose="020B0604020202020204" pitchFamily="34" charset="0"/>
               </a:rPr>
@@ -7289,9 +7263,6 @@
             </a:pPr>
             <a:r>
               <a:rPr lang="en-US" dirty="0" smtClean="0">
-                <a:solidFill>
-                  <a:schemeClr val="accent2"/>
-                </a:solidFill>
                 <a:latin typeface="Arial" panose="020B0604020202020204" pitchFamily="34" charset="0"/>
                 <a:cs typeface="Arial" panose="020B0604020202020204" pitchFamily="34" charset="0"/>
               </a:rPr>
@@ -7313,18 +7284,12 @@
             </a:pPr>
             <a:r>
               <a:rPr lang="en-US" dirty="0" err="1" smtClean="0">
-                <a:solidFill>
-                  <a:schemeClr val="accent2"/>
-                </a:solidFill>
                 <a:latin typeface="Arial" panose="020B0604020202020204" pitchFamily="34" charset="0"/>
                 <a:cs typeface="Arial" panose="020B0604020202020204" pitchFamily="34" charset="0"/>
               </a:rPr>
               <a:t>Minf</a:t>
             </a:r>
             <a:endParaRPr lang="en-US" dirty="0" smtClean="0">
-              <a:solidFill>
-                <a:schemeClr val="accent2"/>
-              </a:solidFill>
               <a:latin typeface="Arial" panose="020B0604020202020204" pitchFamily="34" charset="0"/>
               <a:cs typeface="Arial" panose="020B0604020202020204" pitchFamily="34" charset="0"/>
             </a:endParaRPr>
@@ -7344,18 +7309,12 @@
             </a:pPr>
             <a:r>
               <a:rPr lang="en-US" dirty="0" err="1" smtClean="0">
-                <a:solidFill>
-                  <a:schemeClr val="accent2"/>
-                </a:solidFill>
                 <a:latin typeface="Arial" panose="020B0604020202020204" pitchFamily="34" charset="0"/>
                 <a:cs typeface="Arial" panose="020B0604020202020204" pitchFamily="34" charset="0"/>
               </a:rPr>
               <a:t>Message_External_Interaction</a:t>
             </a:r>
             <a:endParaRPr lang="en-US" dirty="0" smtClean="0">
-              <a:solidFill>
-                <a:schemeClr val="accent2"/>
-              </a:solidFill>
               <a:latin typeface="Arial" panose="020B0604020202020204" pitchFamily="34" charset="0"/>
               <a:cs typeface="Arial" panose="020B0604020202020204" pitchFamily="34" charset="0"/>
             </a:endParaRPr>
@@ -7375,18 +7334,12 @@
             </a:pPr>
             <a:r>
               <a:rPr lang="en-US" dirty="0" err="1" smtClean="0">
-                <a:solidFill>
-                  <a:schemeClr val="accent2"/>
-                </a:solidFill>
                 <a:latin typeface="Arial" panose="020B0604020202020204" pitchFamily="34" charset="0"/>
                 <a:cs typeface="Arial" panose="020B0604020202020204" pitchFamily="34" charset="0"/>
               </a:rPr>
               <a:t>Errorlog</a:t>
             </a:r>
             <a:endParaRPr lang="en-US" dirty="0" smtClean="0">
-              <a:solidFill>
-                <a:schemeClr val="accent2"/>
-              </a:solidFill>
               <a:latin typeface="Arial" panose="020B0604020202020204" pitchFamily="34" charset="0"/>
               <a:cs typeface="Arial" panose="020B0604020202020204" pitchFamily="34" charset="0"/>
             </a:endParaRPr>
@@ -7406,18 +7359,12 @@
             </a:pPr>
             <a:r>
               <a:rPr lang="en-US" dirty="0" err="1" smtClean="0">
-                <a:solidFill>
-                  <a:schemeClr val="accent2"/>
-                </a:solidFill>
                 <a:latin typeface="Arial" panose="020B0604020202020204" pitchFamily="34" charset="0"/>
                 <a:cs typeface="Arial" panose="020B0604020202020204" pitchFamily="34" charset="0"/>
               </a:rPr>
               <a:t>Message_Backout</a:t>
             </a:r>
             <a:endParaRPr lang="en-US" dirty="0" smtClean="0">
-              <a:solidFill>
-                <a:schemeClr val="accent2"/>
-              </a:solidFill>
               <a:latin typeface="Arial" panose="020B0604020202020204" pitchFamily="34" charset="0"/>
               <a:cs typeface="Arial" panose="020B0604020202020204" pitchFamily="34" charset="0"/>
             </a:endParaRPr>
@@ -7433,9 +7380,6 @@
               <a:buSzPct val="150000"/>
             </a:pPr>
             <a:endParaRPr lang="en-US" dirty="0" smtClean="0">
-              <a:solidFill>
-                <a:schemeClr val="accent2"/>
-              </a:solidFill>
               <a:latin typeface="Arial" panose="020B0604020202020204" pitchFamily="34" charset="0"/>
               <a:cs typeface="Arial" panose="020B0604020202020204" pitchFamily="34" charset="0"/>
             </a:endParaRPr>
@@ -7508,7 +7452,7 @@
           <a:p>
             <a:fld id="{54BE1DED-F17D-40BA-964F-A1C8DEDCEF61}" type="datetime4">
               <a:rPr lang="en-GB" smtClean="0"/>
-              <a:t>21 March 2018</a:t>
+              <a:t>25 March 2019</a:t>
             </a:fld>
             <a:endParaRPr lang="en-GB" dirty="0"/>
           </a:p>
@@ -7874,12 +7818,16 @@
             <a:r>
               <a:rPr lang="en-US" dirty="0" smtClean="0">
                 <a:solidFill>
-                  <a:schemeClr val="accent2"/>
+                  <a:schemeClr val="tx1"/>
                 </a:solidFill>
               </a:rPr>
               <a:t>GPP-SP Database table .. CONTD</a:t>
             </a:r>
-            <a:endParaRPr lang="en-GB" dirty="0"/>
+            <a:endParaRPr lang="en-GB" dirty="0">
+              <a:solidFill>
+                <a:schemeClr val="tx1"/>
+              </a:solidFill>
+            </a:endParaRPr>
           </a:p>
         </p:txBody>
       </p:sp>
@@ -7921,11 +7869,7 @@
               </a:buBlip>
             </a:pPr>
             <a:r>
-              <a:rPr lang="en-US" dirty="0" smtClean="0">
-                <a:solidFill>
-                  <a:schemeClr val="accent2"/>
-                </a:solidFill>
-              </a:rPr>
+              <a:rPr lang="en-US" dirty="0" smtClean="0"/>
               <a:t>Sample queries </a:t>
             </a:r>
           </a:p>
@@ -7986,12 +7930,16 @@
             <a:r>
               <a:rPr lang="en-US" dirty="0" smtClean="0">
                 <a:solidFill>
-                  <a:schemeClr val="accent2"/>
+                  <a:schemeClr val="tx1"/>
                 </a:solidFill>
               </a:rPr>
               <a:t>GPP-SP UI</a:t>
             </a:r>
-            <a:endParaRPr lang="en-GB" dirty="0"/>
+            <a:endParaRPr lang="en-GB" dirty="0">
+              <a:solidFill>
+                <a:schemeClr val="tx1"/>
+              </a:solidFill>
+            </a:endParaRPr>
           </a:p>
         </p:txBody>
       </p:sp>
@@ -8013,7 +7961,7 @@
             <a:fld id="{BC3F1638-3586-4527-A760-38AC15BFC248}" type="datetime4">
               <a:rPr lang="en-GB" smtClean="0"/>
               <a:pPr/>
-              <a:t>21 March 2018</a:t>
+              <a:t>25 March 2019</a:t>
             </a:fld>
             <a:endParaRPr lang="en-GB" dirty="0"/>
           </a:p>
@@ -9103,24 +9051,6 @@
 </file>
 
 <file path=customXml/item1.xml><?xml version="1.0" encoding="utf-8"?>
-<?mso-contentType ?>
-<FormTemplates xmlns="http://schemas.microsoft.com/sharepoint/v3/contenttype/forms">
-  <Display>DocumentLibraryForm</Display>
-  <Edit>DocumentLibraryForm</Edit>
-  <New>DocumentLibraryForm</New>
-</FormTemplates>
-</file>
-
-<file path=customXml/item2.xml><?xml version="1.0" encoding="utf-8"?>
-<p:properties xmlns:p="http://schemas.microsoft.com/office/2006/metadata/properties" xmlns:xsi="http://www.w3.org/2001/XMLSchema-instance" xmlns:pc="http://schemas.microsoft.com/office/infopath/2007/PartnerControls">
-  <documentManagement>
-    <PublishingExpirationDate xmlns="http://schemas.microsoft.com/sharepoint/v3" xsi:nil="true"/>
-    <PublishingStartDate xmlns="http://schemas.microsoft.com/sharepoint/v3" xsi:nil="true"/>
-  </documentManagement>
-</p:properties>
-</file>
-
-<file path=customXml/item3.xml><?xml version="1.0" encoding="utf-8"?>
 <ct:contentTypeSchema xmlns:ct="http://schemas.microsoft.com/office/2006/metadata/contentType" xmlns:ma="http://schemas.microsoft.com/office/2006/metadata/properties/metaAttributes" ct:_="" ma:_="" ma:contentTypeName="Document" ma:contentTypeID="0x0101009AFDA2510A45954CB46081864A6D864F" ma:contentTypeVersion="5" ma:contentTypeDescription="Create a new document." ma:contentTypeScope="" ma:versionID="5b475eef84496e2b7a4205b1d00d7d4c">
   <xsd:schema xmlns:xsd="http://www.w3.org/2001/XMLSchema" xmlns:xs="http://www.w3.org/2001/XMLSchema" xmlns:p="http://schemas.microsoft.com/office/2006/metadata/properties" xmlns:ns1="http://schemas.microsoft.com/sharepoint/v3" xmlns:ns2="1913475e-a030-45ec-9e8a-a2630205b38f" xmlns:ns3="0ae7057e-292f-4fd1-bead-5494e4c66c6d" targetNamespace="http://schemas.microsoft.com/office/2006/metadata/properties" ma:root="true" ma:fieldsID="85738e600c763465eda532a3d229a01a" ns1:_="" ns2:_="" ns3:_="">
     <xsd:import namespace="http://schemas.microsoft.com/sharepoint/v3"/>
@@ -9302,10 +9232,40 @@
 </ct:contentTypeSchema>
 </file>
 
+<file path=customXml/item2.xml><?xml version="1.0" encoding="utf-8"?>
+<p:properties xmlns:p="http://schemas.microsoft.com/office/2006/metadata/properties" xmlns:xsi="http://www.w3.org/2001/XMLSchema-instance" xmlns:pc="http://schemas.microsoft.com/office/infopath/2007/PartnerControls">
+  <documentManagement>
+    <PublishingExpirationDate xmlns="http://schemas.microsoft.com/sharepoint/v3" xsi:nil="true"/>
+    <PublishingStartDate xmlns="http://schemas.microsoft.com/sharepoint/v3" xsi:nil="true"/>
+  </documentManagement>
+</p:properties>
+</file>
+
+<file path=customXml/item3.xml><?xml version="1.0" encoding="utf-8"?>
+<?mso-contentType ?>
+<FormTemplates xmlns="http://schemas.microsoft.com/sharepoint/v3/contenttype/forms">
+  <Display>DocumentLibraryForm</Display>
+  <Edit>DocumentLibraryForm</Edit>
+  <New>DocumentLibraryForm</New>
+</FormTemplates>
+</file>
+
 <file path=customXml/itemProps1.xml><?xml version="1.0" encoding="utf-8"?>
-<ds:datastoreItem xmlns:ds="http://schemas.openxmlformats.org/officeDocument/2006/customXml" ds:itemID="{CA1AEAF9-C730-4098-99F1-230B2FED747B}">
+<ds:datastoreItem xmlns:ds="http://schemas.openxmlformats.org/officeDocument/2006/customXml" ds:itemID="{F6B4073B-771D-450A-9EDA-ABAA77B0531E}">
   <ds:schemaRefs>
-    <ds:schemaRef ds:uri="http://schemas.microsoft.com/sharepoint/v3/contenttype/forms"/>
+    <ds:schemaRef ds:uri="http://schemas.microsoft.com/office/2006/metadata/contentType"/>
+    <ds:schemaRef ds:uri="http://schemas.microsoft.com/office/2006/metadata/properties/metaAttributes"/>
+    <ds:schemaRef ds:uri="http://www.w3.org/2001/XMLSchema"/>
+    <ds:schemaRef ds:uri="http://schemas.microsoft.com/office/2006/metadata/properties"/>
+    <ds:schemaRef ds:uri="http://schemas.microsoft.com/sharepoint/v3"/>
+    <ds:schemaRef ds:uri="1913475e-a030-45ec-9e8a-a2630205b38f"/>
+    <ds:schemaRef ds:uri="0ae7057e-292f-4fd1-bead-5494e4c66c6d"/>
+    <ds:schemaRef ds:uri="http://schemas.microsoft.com/office/2006/documentManagement/types"/>
+    <ds:schemaRef ds:uri="http://schemas.microsoft.com/office/infopath/2007/PartnerControls"/>
+    <ds:schemaRef ds:uri="http://schemas.openxmlformats.org/package/2006/metadata/core-properties"/>
+    <ds:schemaRef ds:uri="http://purl.org/dc/elements/1.1/"/>
+    <ds:schemaRef ds:uri="http://purl.org/dc/terms/"/>
+    <ds:schemaRef ds:uri="http://schemas.microsoft.com/internal/obd"/>
   </ds:schemaRefs>
 </ds:datastoreItem>
 </file>
@@ -9329,21 +9289,9 @@
 </file>
 
 <file path=customXml/itemProps3.xml><?xml version="1.0" encoding="utf-8"?>
-<ds:datastoreItem xmlns:ds="http://schemas.openxmlformats.org/officeDocument/2006/customXml" ds:itemID="{F6B4073B-771D-450A-9EDA-ABAA77B0531E}">
+<ds:datastoreItem xmlns:ds="http://schemas.openxmlformats.org/officeDocument/2006/customXml" ds:itemID="{CA1AEAF9-C730-4098-99F1-230B2FED747B}">
   <ds:schemaRefs>
-    <ds:schemaRef ds:uri="http://schemas.microsoft.com/office/2006/metadata/contentType"/>
-    <ds:schemaRef ds:uri="http://schemas.microsoft.com/office/2006/metadata/properties/metaAttributes"/>
-    <ds:schemaRef ds:uri="http://www.w3.org/2001/XMLSchema"/>
-    <ds:schemaRef ds:uri="http://schemas.microsoft.com/office/2006/metadata/properties"/>
-    <ds:schemaRef ds:uri="http://schemas.microsoft.com/sharepoint/v3"/>
-    <ds:schemaRef ds:uri="1913475e-a030-45ec-9e8a-a2630205b38f"/>
-    <ds:schemaRef ds:uri="0ae7057e-292f-4fd1-bead-5494e4c66c6d"/>
-    <ds:schemaRef ds:uri="http://schemas.microsoft.com/office/2006/documentManagement/types"/>
-    <ds:schemaRef ds:uri="http://schemas.microsoft.com/office/infopath/2007/PartnerControls"/>
-    <ds:schemaRef ds:uri="http://schemas.openxmlformats.org/package/2006/metadata/core-properties"/>
-    <ds:schemaRef ds:uri="http://purl.org/dc/elements/1.1/"/>
-    <ds:schemaRef ds:uri="http://purl.org/dc/terms/"/>
-    <ds:schemaRef ds:uri="http://schemas.microsoft.com/internal/obd"/>
+    <ds:schemaRef ds:uri="http://schemas.microsoft.com/sharepoint/v3/contenttype/forms"/>
   </ds:schemaRefs>
 </ds:datastoreItem>
 </file>